--- a/EDM/HW2.pptx
+++ b/EDM/HW2.pptx
@@ -254,7 +254,7 @@
           <a:p>
             <a:fld id="{9553D06D-798D-41B2-8E09-945CDEC492DF}" type="datetimeFigureOut">
               <a:rPr lang="zh-TW" altLang="en-US" smtClean="0"/>
-              <a:t>2023/10/23</a:t>
+              <a:t>2023/11/7</a:t>
             </a:fld>
             <a:endParaRPr lang="zh-TW" altLang="en-US"/>
           </a:p>
@@ -424,7 +424,7 @@
           <a:p>
             <a:fld id="{9553D06D-798D-41B2-8E09-945CDEC492DF}" type="datetimeFigureOut">
               <a:rPr lang="zh-TW" altLang="en-US" smtClean="0"/>
-              <a:t>2023/10/23</a:t>
+              <a:t>2023/11/7</a:t>
             </a:fld>
             <a:endParaRPr lang="zh-TW" altLang="en-US"/>
           </a:p>
@@ -604,7 +604,7 @@
           <a:p>
             <a:fld id="{9553D06D-798D-41B2-8E09-945CDEC492DF}" type="datetimeFigureOut">
               <a:rPr lang="zh-TW" altLang="en-US" smtClean="0"/>
-              <a:t>2023/10/23</a:t>
+              <a:t>2023/11/7</a:t>
             </a:fld>
             <a:endParaRPr lang="zh-TW" altLang="en-US"/>
           </a:p>
@@ -774,7 +774,7 @@
           <a:p>
             <a:fld id="{9553D06D-798D-41B2-8E09-945CDEC492DF}" type="datetimeFigureOut">
               <a:rPr lang="zh-TW" altLang="en-US" smtClean="0"/>
-              <a:t>2023/10/23</a:t>
+              <a:t>2023/11/7</a:t>
             </a:fld>
             <a:endParaRPr lang="zh-TW" altLang="en-US"/>
           </a:p>
@@ -1020,7 +1020,7 @@
           <a:p>
             <a:fld id="{9553D06D-798D-41B2-8E09-945CDEC492DF}" type="datetimeFigureOut">
               <a:rPr lang="zh-TW" altLang="en-US" smtClean="0"/>
-              <a:t>2023/10/23</a:t>
+              <a:t>2023/11/7</a:t>
             </a:fld>
             <a:endParaRPr lang="zh-TW" altLang="en-US"/>
           </a:p>
@@ -1252,7 +1252,7 @@
           <a:p>
             <a:fld id="{9553D06D-798D-41B2-8E09-945CDEC492DF}" type="datetimeFigureOut">
               <a:rPr lang="zh-TW" altLang="en-US" smtClean="0"/>
-              <a:t>2023/10/23</a:t>
+              <a:t>2023/11/7</a:t>
             </a:fld>
             <a:endParaRPr lang="zh-TW" altLang="en-US"/>
           </a:p>
@@ -1619,7 +1619,7 @@
           <a:p>
             <a:fld id="{9553D06D-798D-41B2-8E09-945CDEC492DF}" type="datetimeFigureOut">
               <a:rPr lang="zh-TW" altLang="en-US" smtClean="0"/>
-              <a:t>2023/10/23</a:t>
+              <a:t>2023/11/7</a:t>
             </a:fld>
             <a:endParaRPr lang="zh-TW" altLang="en-US"/>
           </a:p>
@@ -1737,7 +1737,7 @@
           <a:p>
             <a:fld id="{9553D06D-798D-41B2-8E09-945CDEC492DF}" type="datetimeFigureOut">
               <a:rPr lang="zh-TW" altLang="en-US" smtClean="0"/>
-              <a:t>2023/10/23</a:t>
+              <a:t>2023/11/7</a:t>
             </a:fld>
             <a:endParaRPr lang="zh-TW" altLang="en-US"/>
           </a:p>
@@ -1832,7 +1832,7 @@
           <a:p>
             <a:fld id="{9553D06D-798D-41B2-8E09-945CDEC492DF}" type="datetimeFigureOut">
               <a:rPr lang="zh-TW" altLang="en-US" smtClean="0"/>
-              <a:t>2023/10/23</a:t>
+              <a:t>2023/11/7</a:t>
             </a:fld>
             <a:endParaRPr lang="zh-TW" altLang="en-US"/>
           </a:p>
@@ -2109,7 +2109,7 @@
           <a:p>
             <a:fld id="{9553D06D-798D-41B2-8E09-945CDEC492DF}" type="datetimeFigureOut">
               <a:rPr lang="zh-TW" altLang="en-US" smtClean="0"/>
-              <a:t>2023/10/23</a:t>
+              <a:t>2023/11/7</a:t>
             </a:fld>
             <a:endParaRPr lang="zh-TW" altLang="en-US"/>
           </a:p>
@@ -2362,7 +2362,7 @@
           <a:p>
             <a:fld id="{9553D06D-798D-41B2-8E09-945CDEC492DF}" type="datetimeFigureOut">
               <a:rPr lang="zh-TW" altLang="en-US" smtClean="0"/>
-              <a:t>2023/10/23</a:t>
+              <a:t>2023/11/7</a:t>
             </a:fld>
             <a:endParaRPr lang="zh-TW" altLang="en-US"/>
           </a:p>
@@ -2575,7 +2575,7 @@
           <a:p>
             <a:fld id="{9553D06D-798D-41B2-8E09-945CDEC492DF}" type="datetimeFigureOut">
               <a:rPr lang="zh-TW" altLang="en-US" smtClean="0"/>
-              <a:t>2023/10/23</a:t>
+              <a:t>2023/11/7</a:t>
             </a:fld>
             <a:endParaRPr lang="zh-TW" altLang="en-US"/>
           </a:p>
@@ -2997,7 +2997,23 @@
           <a:p>
             <a:r>
               <a:rPr lang="en-US" altLang="zh-TW" dirty="0" smtClean="0"/>
-              <a:t>Big Data Analytics: HW#2</a:t>
+              <a:t>Educational </a:t>
+            </a:r>
+            <a:r>
+              <a:rPr lang="en-US" altLang="zh-TW" dirty="0" smtClean="0"/>
+              <a:t>Data </a:t>
+            </a:r>
+            <a:r>
+              <a:rPr lang="en-US" altLang="zh-TW" dirty="0" smtClean="0"/>
+              <a:t>Mining and </a:t>
+            </a:r>
+            <a:r>
+              <a:rPr lang="en-US" altLang="zh-TW" smtClean="0"/>
+              <a:t>Applciations: </a:t>
+            </a:r>
+            <a:r>
+              <a:rPr lang="en-US" altLang="zh-TW" dirty="0" smtClean="0"/>
+              <a:t>HW#2</a:t>
             </a:r>
             <a:endParaRPr lang="zh-TW" altLang="en-US" dirty="0"/>
           </a:p>
@@ -3026,11 +3042,7 @@
           <a:p>
             <a:r>
               <a:rPr lang="en-US" altLang="zh-TW" dirty="0" smtClean="0"/>
-              <a:t>Oct. 24, </a:t>
-            </a:r>
-            <a:r>
-              <a:rPr lang="en-US" altLang="zh-TW" dirty="0" smtClean="0"/>
-              <a:t>2023</a:t>
+              <a:t>Oct. 24, 2023</a:t>
             </a:r>
             <a:endParaRPr lang="zh-TW" altLang="en-US" dirty="0"/>
           </a:p>
@@ -3142,11 +3154,7 @@
             <a:pPr lvl="1"/>
             <a:r>
               <a:rPr lang="en-US" altLang="zh-TW" dirty="0" smtClean="0"/>
-              <a:t>Please remember to register your team members to the TA *as soon as possible</a:t>
-            </a:r>
-            <a:r>
-              <a:rPr lang="en-US" altLang="zh-TW" dirty="0" smtClean="0"/>
-              <a:t>*</a:t>
+              <a:t>Please remember to register your team members to the TA *as soon as possible*</a:t>
             </a:r>
             <a:endParaRPr lang="en-US" altLang="zh-TW" dirty="0" smtClean="0">
               <a:solidFill>
@@ -3574,7 +3582,6 @@
               <a:rPr lang="en-US" altLang="zh-TW" dirty="0" smtClean="0"/>
               <a:t>6.7(a)(b)</a:t>
             </a:r>
-            <a:endParaRPr lang="en-US" altLang="zh-TW" dirty="0" smtClean="0"/>
           </a:p>
           <a:p>
             <a:pPr lvl="1"/>
@@ -3628,15 +3635,7 @@
                   <a:srgbClr val="FF0000"/>
                 </a:solidFill>
               </a:rPr>
-              <a:t>Nov. 7, </a:t>
-            </a:r>
-            <a:r>
-              <a:rPr lang="en-US" altLang="zh-TW" dirty="0" smtClean="0">
-                <a:solidFill>
-                  <a:srgbClr val="FF0000"/>
-                </a:solidFill>
-              </a:rPr>
-              <a:t>2023</a:t>
+              <a:t>Nov. 7, 2023</a:t>
             </a:r>
             <a:r>
               <a:rPr lang="en-US" altLang="zh-TW" dirty="0" smtClean="0"/>
@@ -5760,11 +5759,7 @@
             </a:pPr>
             <a:r>
               <a:rPr lang="en-US" altLang="zh-TW" dirty="0" smtClean="0"/>
-              <a:t>(a) (20pt</a:t>
-            </a:r>
-            <a:r>
-              <a:rPr lang="en-US" altLang="zh-TW" dirty="0" smtClean="0"/>
-              <a:t>) </a:t>
+              <a:t>(a) (20pt) </a:t>
             </a:r>
             <a:r>
               <a:rPr lang="en-US" altLang="zh-TW" dirty="0" err="1" smtClean="0">
@@ -5785,11 +5780,7 @@
             </a:pPr>
             <a:r>
               <a:rPr lang="en-US" altLang="zh-TW" dirty="0" smtClean="0"/>
-              <a:t>(b) (30pt</a:t>
-            </a:r>
-            <a:r>
-              <a:rPr lang="en-US" altLang="zh-TW" dirty="0" smtClean="0"/>
-              <a:t>) </a:t>
+              <a:t>(b) (30pt) </a:t>
             </a:r>
             <a:r>
               <a:rPr lang="en-US" altLang="zh-TW" dirty="0" smtClean="0">
@@ -5907,11 +5898,7 @@
             </a:r>
             <a:r>
               <a:rPr lang="en-US" altLang="zh-TW" dirty="0" smtClean="0"/>
-              <a:t>6.15: </a:t>
-            </a:r>
-            <a:r>
-              <a:rPr lang="en-US" altLang="zh-TW" dirty="0" smtClean="0"/>
-              <a:t>(</a:t>
+              <a:t>6.15: (</a:t>
             </a:r>
             <a:r>
               <a:rPr lang="en-US" altLang="zh-TW" b="1" dirty="0" smtClean="0"/>
@@ -5936,15 +5923,7 @@
             </a:br>
             <a:r>
               <a:rPr lang="en-US" altLang="zh-TW" dirty="0" smtClean="0"/>
-              <a:t>(a) </a:t>
-            </a:r>
-            <a:r>
-              <a:rPr lang="en-US" altLang="zh-TW" dirty="0" smtClean="0"/>
-              <a:t>(30pt</a:t>
-            </a:r>
-            <a:r>
-              <a:rPr lang="en-US" altLang="zh-TW" dirty="0" smtClean="0"/>
-              <a:t>) Propose a method to efficiently mine a set of </a:t>
+              <a:t>(a) (30pt) Propose a method to efficiently mine a set of </a:t>
             </a:r>
             <a:r>
               <a:rPr lang="en-US" altLang="zh-TW" dirty="0" smtClean="0">

--- a/EDM/HW2.pptx
+++ b/EDM/HW2.pptx
@@ -8,15 +8,16 @@
     <p:sldId id="256" r:id="rId2"/>
     <p:sldId id="257" r:id="rId3"/>
     <p:sldId id="273" r:id="rId4"/>
-    <p:sldId id="274" r:id="rId5"/>
-    <p:sldId id="271" r:id="rId6"/>
+    <p:sldId id="270" r:id="rId5"/>
+    <p:sldId id="275" r:id="rId6"/>
     <p:sldId id="265" r:id="rId7"/>
     <p:sldId id="266" r:id="rId8"/>
     <p:sldId id="267" r:id="rId9"/>
     <p:sldId id="268" r:id="rId10"/>
-    <p:sldId id="269" r:id="rId11"/>
-    <p:sldId id="263" r:id="rId12"/>
-    <p:sldId id="262" r:id="rId13"/>
+    <p:sldId id="276" r:id="rId11"/>
+    <p:sldId id="269" r:id="rId12"/>
+    <p:sldId id="263" r:id="rId13"/>
+    <p:sldId id="262" r:id="rId14"/>
   </p:sldIdLst>
   <p:sldSz cx="12192000" cy="6858000"/>
   <p:notesSz cx="6858000" cy="9144000"/>
@@ -165,10 +166,9 @@
           </a:lstStyle>
           <a:p>
             <a:r>
-              <a:rPr lang="zh-TW" altLang="en-US" smtClean="0"/>
+              <a:rPr lang="zh-TW" altLang="en-US"/>
               <a:t>按一下以編輯母片標題樣式</a:t>
             </a:r>
-            <a:endParaRPr lang="zh-TW" altLang="en-US"/>
           </a:p>
         </p:txBody>
       </p:sp>
@@ -230,10 +230,9 @@
           </a:lstStyle>
           <a:p>
             <a:r>
-              <a:rPr lang="zh-TW" altLang="en-US" smtClean="0"/>
+              <a:rPr lang="zh-TW" altLang="en-US"/>
               <a:t>按一下以編輯母片副標題樣式</a:t>
             </a:r>
-            <a:endParaRPr lang="zh-TW" altLang="en-US"/>
           </a:p>
         </p:txBody>
       </p:sp>
@@ -254,7 +253,7 @@
           <a:p>
             <a:fld id="{9553D06D-798D-41B2-8E09-945CDEC492DF}" type="datetimeFigureOut">
               <a:rPr lang="zh-TW" altLang="en-US" smtClean="0"/>
-              <a:t>2023/11/7</a:t>
+              <a:t>2024/10/22</a:t>
             </a:fld>
             <a:endParaRPr lang="zh-TW" altLang="en-US"/>
           </a:p>
@@ -348,10 +347,9 @@
           <a:lstStyle/>
           <a:p>
             <a:r>
-              <a:rPr lang="zh-TW" altLang="en-US" smtClean="0"/>
+              <a:rPr lang="zh-TW" altLang="en-US"/>
               <a:t>按一下以編輯母片標題樣式</a:t>
             </a:r>
-            <a:endParaRPr lang="zh-TW" altLang="en-US"/>
           </a:p>
         </p:txBody>
       </p:sp>
@@ -372,38 +370,37 @@
           <a:p>
             <a:pPr lvl="0"/>
             <a:r>
-              <a:rPr lang="zh-TW" altLang="en-US" smtClean="0"/>
+              <a:rPr lang="zh-TW" altLang="en-US"/>
               <a:t>按一下以編輯母片文字樣式</a:t>
             </a:r>
           </a:p>
           <a:p>
             <a:pPr lvl="1"/>
             <a:r>
-              <a:rPr lang="zh-TW" altLang="en-US" smtClean="0"/>
+              <a:rPr lang="zh-TW" altLang="en-US"/>
               <a:t>第二層</a:t>
             </a:r>
           </a:p>
           <a:p>
             <a:pPr lvl="2"/>
             <a:r>
-              <a:rPr lang="zh-TW" altLang="en-US" smtClean="0"/>
+              <a:rPr lang="zh-TW" altLang="en-US"/>
               <a:t>第三層</a:t>
             </a:r>
           </a:p>
           <a:p>
             <a:pPr lvl="3"/>
             <a:r>
-              <a:rPr lang="zh-TW" altLang="en-US" smtClean="0"/>
+              <a:rPr lang="zh-TW" altLang="en-US"/>
               <a:t>第四層</a:t>
             </a:r>
           </a:p>
           <a:p>
             <a:pPr lvl="4"/>
             <a:r>
-              <a:rPr lang="zh-TW" altLang="en-US" smtClean="0"/>
+              <a:rPr lang="zh-TW" altLang="en-US"/>
               <a:t>第五層</a:t>
             </a:r>
-            <a:endParaRPr lang="zh-TW" altLang="en-US"/>
           </a:p>
         </p:txBody>
       </p:sp>
@@ -424,7 +421,7 @@
           <a:p>
             <a:fld id="{9553D06D-798D-41B2-8E09-945CDEC492DF}" type="datetimeFigureOut">
               <a:rPr lang="zh-TW" altLang="en-US" smtClean="0"/>
-              <a:t>2023/11/7</a:t>
+              <a:t>2024/10/22</a:t>
             </a:fld>
             <a:endParaRPr lang="zh-TW" altLang="en-US"/>
           </a:p>
@@ -523,10 +520,9 @@
           <a:lstStyle/>
           <a:p>
             <a:r>
-              <a:rPr lang="zh-TW" altLang="en-US" smtClean="0"/>
+              <a:rPr lang="zh-TW" altLang="en-US"/>
               <a:t>按一下以編輯母片標題樣式</a:t>
             </a:r>
-            <a:endParaRPr lang="zh-TW" altLang="en-US"/>
           </a:p>
         </p:txBody>
       </p:sp>
@@ -552,38 +548,37 @@
           <a:p>
             <a:pPr lvl="0"/>
             <a:r>
-              <a:rPr lang="zh-TW" altLang="en-US" smtClean="0"/>
+              <a:rPr lang="zh-TW" altLang="en-US"/>
               <a:t>按一下以編輯母片文字樣式</a:t>
             </a:r>
           </a:p>
           <a:p>
             <a:pPr lvl="1"/>
             <a:r>
-              <a:rPr lang="zh-TW" altLang="en-US" smtClean="0"/>
+              <a:rPr lang="zh-TW" altLang="en-US"/>
               <a:t>第二層</a:t>
             </a:r>
           </a:p>
           <a:p>
             <a:pPr lvl="2"/>
             <a:r>
-              <a:rPr lang="zh-TW" altLang="en-US" smtClean="0"/>
+              <a:rPr lang="zh-TW" altLang="en-US"/>
               <a:t>第三層</a:t>
             </a:r>
           </a:p>
           <a:p>
             <a:pPr lvl="3"/>
             <a:r>
-              <a:rPr lang="zh-TW" altLang="en-US" smtClean="0"/>
+              <a:rPr lang="zh-TW" altLang="en-US"/>
               <a:t>第四層</a:t>
             </a:r>
           </a:p>
           <a:p>
             <a:pPr lvl="4"/>
             <a:r>
-              <a:rPr lang="zh-TW" altLang="en-US" smtClean="0"/>
+              <a:rPr lang="zh-TW" altLang="en-US"/>
               <a:t>第五層</a:t>
             </a:r>
-            <a:endParaRPr lang="zh-TW" altLang="en-US"/>
           </a:p>
         </p:txBody>
       </p:sp>
@@ -604,7 +599,7 @@
           <a:p>
             <a:fld id="{9553D06D-798D-41B2-8E09-945CDEC492DF}" type="datetimeFigureOut">
               <a:rPr lang="zh-TW" altLang="en-US" smtClean="0"/>
-              <a:t>2023/11/7</a:t>
+              <a:t>2024/10/22</a:t>
             </a:fld>
             <a:endParaRPr lang="zh-TW" altLang="en-US"/>
           </a:p>
@@ -698,10 +693,9 @@
           <a:lstStyle/>
           <a:p>
             <a:r>
-              <a:rPr lang="zh-TW" altLang="en-US" smtClean="0"/>
+              <a:rPr lang="zh-TW" altLang="en-US"/>
               <a:t>按一下以編輯母片標題樣式</a:t>
             </a:r>
-            <a:endParaRPr lang="zh-TW" altLang="en-US"/>
           </a:p>
         </p:txBody>
       </p:sp>
@@ -722,38 +716,37 @@
           <a:p>
             <a:pPr lvl="0"/>
             <a:r>
-              <a:rPr lang="zh-TW" altLang="en-US" smtClean="0"/>
+              <a:rPr lang="zh-TW" altLang="en-US"/>
               <a:t>按一下以編輯母片文字樣式</a:t>
             </a:r>
           </a:p>
           <a:p>
             <a:pPr lvl="1"/>
             <a:r>
-              <a:rPr lang="zh-TW" altLang="en-US" smtClean="0"/>
+              <a:rPr lang="zh-TW" altLang="en-US"/>
               <a:t>第二層</a:t>
             </a:r>
           </a:p>
           <a:p>
             <a:pPr lvl="2"/>
             <a:r>
-              <a:rPr lang="zh-TW" altLang="en-US" smtClean="0"/>
+              <a:rPr lang="zh-TW" altLang="en-US"/>
               <a:t>第三層</a:t>
             </a:r>
           </a:p>
           <a:p>
             <a:pPr lvl="3"/>
             <a:r>
-              <a:rPr lang="zh-TW" altLang="en-US" smtClean="0"/>
+              <a:rPr lang="zh-TW" altLang="en-US"/>
               <a:t>第四層</a:t>
             </a:r>
           </a:p>
           <a:p>
             <a:pPr lvl="4"/>
             <a:r>
-              <a:rPr lang="zh-TW" altLang="en-US" smtClean="0"/>
+              <a:rPr lang="zh-TW" altLang="en-US"/>
               <a:t>第五層</a:t>
             </a:r>
-            <a:endParaRPr lang="zh-TW" altLang="en-US"/>
           </a:p>
         </p:txBody>
       </p:sp>
@@ -774,7 +767,7 @@
           <a:p>
             <a:fld id="{9553D06D-798D-41B2-8E09-945CDEC492DF}" type="datetimeFigureOut">
               <a:rPr lang="zh-TW" altLang="en-US" smtClean="0"/>
-              <a:t>2023/11/7</a:t>
+              <a:t>2024/10/22</a:t>
             </a:fld>
             <a:endParaRPr lang="zh-TW" altLang="en-US"/>
           </a:p>
@@ -877,10 +870,9 @@
           </a:lstStyle>
           <a:p>
             <a:r>
-              <a:rPr lang="zh-TW" altLang="en-US" smtClean="0"/>
+              <a:rPr lang="zh-TW" altLang="en-US"/>
               <a:t>按一下以編輯母片標題樣式</a:t>
             </a:r>
-            <a:endParaRPr lang="zh-TW" altLang="en-US"/>
           </a:p>
         </p:txBody>
       </p:sp>
@@ -997,7 +989,7 @@
           <a:p>
             <a:pPr lvl="0"/>
             <a:r>
-              <a:rPr lang="zh-TW" altLang="en-US" smtClean="0"/>
+              <a:rPr lang="zh-TW" altLang="en-US"/>
               <a:t>按一下以編輯母片文字樣式</a:t>
             </a:r>
           </a:p>
@@ -1020,7 +1012,7 @@
           <a:p>
             <a:fld id="{9553D06D-798D-41B2-8E09-945CDEC492DF}" type="datetimeFigureOut">
               <a:rPr lang="zh-TW" altLang="en-US" smtClean="0"/>
-              <a:t>2023/11/7</a:t>
+              <a:t>2024/10/22</a:t>
             </a:fld>
             <a:endParaRPr lang="zh-TW" altLang="en-US"/>
           </a:p>
@@ -1114,10 +1106,9 @@
           <a:lstStyle/>
           <a:p>
             <a:r>
-              <a:rPr lang="zh-TW" altLang="en-US" smtClean="0"/>
+              <a:rPr lang="zh-TW" altLang="en-US"/>
               <a:t>按一下以編輯母片標題樣式</a:t>
             </a:r>
-            <a:endParaRPr lang="zh-TW" altLang="en-US"/>
           </a:p>
         </p:txBody>
       </p:sp>
@@ -1143,38 +1134,37 @@
           <a:p>
             <a:pPr lvl="0"/>
             <a:r>
-              <a:rPr lang="zh-TW" altLang="en-US" smtClean="0"/>
+              <a:rPr lang="zh-TW" altLang="en-US"/>
               <a:t>按一下以編輯母片文字樣式</a:t>
             </a:r>
           </a:p>
           <a:p>
             <a:pPr lvl="1"/>
             <a:r>
-              <a:rPr lang="zh-TW" altLang="en-US" smtClean="0"/>
+              <a:rPr lang="zh-TW" altLang="en-US"/>
               <a:t>第二層</a:t>
             </a:r>
           </a:p>
           <a:p>
             <a:pPr lvl="2"/>
             <a:r>
-              <a:rPr lang="zh-TW" altLang="en-US" smtClean="0"/>
+              <a:rPr lang="zh-TW" altLang="en-US"/>
               <a:t>第三層</a:t>
             </a:r>
           </a:p>
           <a:p>
             <a:pPr lvl="3"/>
             <a:r>
-              <a:rPr lang="zh-TW" altLang="en-US" smtClean="0"/>
+              <a:rPr lang="zh-TW" altLang="en-US"/>
               <a:t>第四層</a:t>
             </a:r>
           </a:p>
           <a:p>
             <a:pPr lvl="4"/>
             <a:r>
-              <a:rPr lang="zh-TW" altLang="en-US" smtClean="0"/>
+              <a:rPr lang="zh-TW" altLang="en-US"/>
               <a:t>第五層</a:t>
             </a:r>
-            <a:endParaRPr lang="zh-TW" altLang="en-US"/>
           </a:p>
         </p:txBody>
       </p:sp>
@@ -1200,38 +1190,37 @@
           <a:p>
             <a:pPr lvl="0"/>
             <a:r>
-              <a:rPr lang="zh-TW" altLang="en-US" smtClean="0"/>
+              <a:rPr lang="zh-TW" altLang="en-US"/>
               <a:t>按一下以編輯母片文字樣式</a:t>
             </a:r>
           </a:p>
           <a:p>
             <a:pPr lvl="1"/>
             <a:r>
-              <a:rPr lang="zh-TW" altLang="en-US" smtClean="0"/>
+              <a:rPr lang="zh-TW" altLang="en-US"/>
               <a:t>第二層</a:t>
             </a:r>
           </a:p>
           <a:p>
             <a:pPr lvl="2"/>
             <a:r>
-              <a:rPr lang="zh-TW" altLang="en-US" smtClean="0"/>
+              <a:rPr lang="zh-TW" altLang="en-US"/>
               <a:t>第三層</a:t>
             </a:r>
           </a:p>
           <a:p>
             <a:pPr lvl="3"/>
             <a:r>
-              <a:rPr lang="zh-TW" altLang="en-US" smtClean="0"/>
+              <a:rPr lang="zh-TW" altLang="en-US"/>
               <a:t>第四層</a:t>
             </a:r>
           </a:p>
           <a:p>
             <a:pPr lvl="4"/>
             <a:r>
-              <a:rPr lang="zh-TW" altLang="en-US" smtClean="0"/>
+              <a:rPr lang="zh-TW" altLang="en-US"/>
               <a:t>第五層</a:t>
             </a:r>
-            <a:endParaRPr lang="zh-TW" altLang="en-US"/>
           </a:p>
         </p:txBody>
       </p:sp>
@@ -1252,7 +1241,7 @@
           <a:p>
             <a:fld id="{9553D06D-798D-41B2-8E09-945CDEC492DF}" type="datetimeFigureOut">
               <a:rPr lang="zh-TW" altLang="en-US" smtClean="0"/>
-              <a:t>2023/11/7</a:t>
+              <a:t>2024/10/22</a:t>
             </a:fld>
             <a:endParaRPr lang="zh-TW" altLang="en-US"/>
           </a:p>
@@ -1351,10 +1340,9 @@
           <a:lstStyle/>
           <a:p>
             <a:r>
-              <a:rPr lang="zh-TW" altLang="en-US" smtClean="0"/>
+              <a:rPr lang="zh-TW" altLang="en-US"/>
               <a:t>按一下以編輯母片標題樣式</a:t>
             </a:r>
-            <a:endParaRPr lang="zh-TW" altLang="en-US"/>
           </a:p>
         </p:txBody>
       </p:sp>
@@ -1417,7 +1405,7 @@
           <a:p>
             <a:pPr lvl="0"/>
             <a:r>
-              <a:rPr lang="zh-TW" altLang="en-US" smtClean="0"/>
+              <a:rPr lang="zh-TW" altLang="en-US"/>
               <a:t>按一下以編輯母片文字樣式</a:t>
             </a:r>
           </a:p>
@@ -1445,38 +1433,37 @@
           <a:p>
             <a:pPr lvl="0"/>
             <a:r>
-              <a:rPr lang="zh-TW" altLang="en-US" smtClean="0"/>
+              <a:rPr lang="zh-TW" altLang="en-US"/>
               <a:t>按一下以編輯母片文字樣式</a:t>
             </a:r>
           </a:p>
           <a:p>
             <a:pPr lvl="1"/>
             <a:r>
-              <a:rPr lang="zh-TW" altLang="en-US" smtClean="0"/>
+              <a:rPr lang="zh-TW" altLang="en-US"/>
               <a:t>第二層</a:t>
             </a:r>
           </a:p>
           <a:p>
             <a:pPr lvl="2"/>
             <a:r>
-              <a:rPr lang="zh-TW" altLang="en-US" smtClean="0"/>
+              <a:rPr lang="zh-TW" altLang="en-US"/>
               <a:t>第三層</a:t>
             </a:r>
           </a:p>
           <a:p>
             <a:pPr lvl="3"/>
             <a:r>
-              <a:rPr lang="zh-TW" altLang="en-US" smtClean="0"/>
+              <a:rPr lang="zh-TW" altLang="en-US"/>
               <a:t>第四層</a:t>
             </a:r>
           </a:p>
           <a:p>
             <a:pPr lvl="4"/>
             <a:r>
-              <a:rPr lang="zh-TW" altLang="en-US" smtClean="0"/>
+              <a:rPr lang="zh-TW" altLang="en-US"/>
               <a:t>第五層</a:t>
             </a:r>
-            <a:endParaRPr lang="zh-TW" altLang="en-US"/>
           </a:p>
         </p:txBody>
       </p:sp>
@@ -1539,7 +1526,7 @@
           <a:p>
             <a:pPr lvl="0"/>
             <a:r>
-              <a:rPr lang="zh-TW" altLang="en-US" smtClean="0"/>
+              <a:rPr lang="zh-TW" altLang="en-US"/>
               <a:t>按一下以編輯母片文字樣式</a:t>
             </a:r>
           </a:p>
@@ -1567,38 +1554,37 @@
           <a:p>
             <a:pPr lvl="0"/>
             <a:r>
-              <a:rPr lang="zh-TW" altLang="en-US" smtClean="0"/>
+              <a:rPr lang="zh-TW" altLang="en-US"/>
               <a:t>按一下以編輯母片文字樣式</a:t>
             </a:r>
           </a:p>
           <a:p>
             <a:pPr lvl="1"/>
             <a:r>
-              <a:rPr lang="zh-TW" altLang="en-US" smtClean="0"/>
+              <a:rPr lang="zh-TW" altLang="en-US"/>
               <a:t>第二層</a:t>
             </a:r>
           </a:p>
           <a:p>
             <a:pPr lvl="2"/>
             <a:r>
-              <a:rPr lang="zh-TW" altLang="en-US" smtClean="0"/>
+              <a:rPr lang="zh-TW" altLang="en-US"/>
               <a:t>第三層</a:t>
             </a:r>
           </a:p>
           <a:p>
             <a:pPr lvl="3"/>
             <a:r>
-              <a:rPr lang="zh-TW" altLang="en-US" smtClean="0"/>
+              <a:rPr lang="zh-TW" altLang="en-US"/>
               <a:t>第四層</a:t>
             </a:r>
           </a:p>
           <a:p>
             <a:pPr lvl="4"/>
             <a:r>
-              <a:rPr lang="zh-TW" altLang="en-US" smtClean="0"/>
+              <a:rPr lang="zh-TW" altLang="en-US"/>
               <a:t>第五層</a:t>
             </a:r>
-            <a:endParaRPr lang="zh-TW" altLang="en-US"/>
           </a:p>
         </p:txBody>
       </p:sp>
@@ -1619,7 +1605,7 @@
           <a:p>
             <a:fld id="{9553D06D-798D-41B2-8E09-945CDEC492DF}" type="datetimeFigureOut">
               <a:rPr lang="zh-TW" altLang="en-US" smtClean="0"/>
-              <a:t>2023/11/7</a:t>
+              <a:t>2024/10/22</a:t>
             </a:fld>
             <a:endParaRPr lang="zh-TW" altLang="en-US"/>
           </a:p>
@@ -1713,10 +1699,9 @@
           <a:lstStyle/>
           <a:p>
             <a:r>
-              <a:rPr lang="zh-TW" altLang="en-US" smtClean="0"/>
+              <a:rPr lang="zh-TW" altLang="en-US"/>
               <a:t>按一下以編輯母片標題樣式</a:t>
             </a:r>
-            <a:endParaRPr lang="zh-TW" altLang="en-US"/>
           </a:p>
         </p:txBody>
       </p:sp>
@@ -1737,7 +1722,7 @@
           <a:p>
             <a:fld id="{9553D06D-798D-41B2-8E09-945CDEC492DF}" type="datetimeFigureOut">
               <a:rPr lang="zh-TW" altLang="en-US" smtClean="0"/>
-              <a:t>2023/11/7</a:t>
+              <a:t>2024/10/22</a:t>
             </a:fld>
             <a:endParaRPr lang="zh-TW" altLang="en-US"/>
           </a:p>
@@ -1832,7 +1817,7 @@
           <a:p>
             <a:fld id="{9553D06D-798D-41B2-8E09-945CDEC492DF}" type="datetimeFigureOut">
               <a:rPr lang="zh-TW" altLang="en-US" smtClean="0"/>
-              <a:t>2023/11/7</a:t>
+              <a:t>2024/10/22</a:t>
             </a:fld>
             <a:endParaRPr lang="zh-TW" altLang="en-US"/>
           </a:p>
@@ -1935,10 +1920,9 @@
           </a:lstStyle>
           <a:p>
             <a:r>
-              <a:rPr lang="zh-TW" altLang="en-US" smtClean="0"/>
+              <a:rPr lang="zh-TW" altLang="en-US"/>
               <a:t>按一下以編輯母片標題樣式</a:t>
             </a:r>
-            <a:endParaRPr lang="zh-TW" altLang="en-US"/>
           </a:p>
         </p:txBody>
       </p:sp>
@@ -1992,38 +1976,37 @@
           <a:p>
             <a:pPr lvl="0"/>
             <a:r>
-              <a:rPr lang="zh-TW" altLang="en-US" smtClean="0"/>
+              <a:rPr lang="zh-TW" altLang="en-US"/>
               <a:t>按一下以編輯母片文字樣式</a:t>
             </a:r>
           </a:p>
           <a:p>
             <a:pPr lvl="1"/>
             <a:r>
-              <a:rPr lang="zh-TW" altLang="en-US" smtClean="0"/>
+              <a:rPr lang="zh-TW" altLang="en-US"/>
               <a:t>第二層</a:t>
             </a:r>
           </a:p>
           <a:p>
             <a:pPr lvl="2"/>
             <a:r>
-              <a:rPr lang="zh-TW" altLang="en-US" smtClean="0"/>
+              <a:rPr lang="zh-TW" altLang="en-US"/>
               <a:t>第三層</a:t>
             </a:r>
           </a:p>
           <a:p>
             <a:pPr lvl="3"/>
             <a:r>
-              <a:rPr lang="zh-TW" altLang="en-US" smtClean="0"/>
+              <a:rPr lang="zh-TW" altLang="en-US"/>
               <a:t>第四層</a:t>
             </a:r>
           </a:p>
           <a:p>
             <a:pPr lvl="4"/>
             <a:r>
-              <a:rPr lang="zh-TW" altLang="en-US" smtClean="0"/>
+              <a:rPr lang="zh-TW" altLang="en-US"/>
               <a:t>第五層</a:t>
             </a:r>
-            <a:endParaRPr lang="zh-TW" altLang="en-US"/>
           </a:p>
         </p:txBody>
       </p:sp>
@@ -2086,7 +2069,7 @@
           <a:p>
             <a:pPr lvl="0"/>
             <a:r>
-              <a:rPr lang="zh-TW" altLang="en-US" smtClean="0"/>
+              <a:rPr lang="zh-TW" altLang="en-US"/>
               <a:t>按一下以編輯母片文字樣式</a:t>
             </a:r>
           </a:p>
@@ -2109,7 +2092,7 @@
           <a:p>
             <a:fld id="{9553D06D-798D-41B2-8E09-945CDEC492DF}" type="datetimeFigureOut">
               <a:rPr lang="zh-TW" altLang="en-US" smtClean="0"/>
-              <a:t>2023/11/7</a:t>
+              <a:t>2024/10/22</a:t>
             </a:fld>
             <a:endParaRPr lang="zh-TW" altLang="en-US"/>
           </a:p>
@@ -2212,10 +2195,9 @@
           </a:lstStyle>
           <a:p>
             <a:r>
-              <a:rPr lang="zh-TW" altLang="en-US" smtClean="0"/>
+              <a:rPr lang="zh-TW" altLang="en-US"/>
               <a:t>按一下以編輯母片標題樣式</a:t>
             </a:r>
-            <a:endParaRPr lang="zh-TW" altLang="en-US"/>
           </a:p>
         </p:txBody>
       </p:sp>
@@ -2339,7 +2321,7 @@
           <a:p>
             <a:pPr lvl="0"/>
             <a:r>
-              <a:rPr lang="zh-TW" altLang="en-US" smtClean="0"/>
+              <a:rPr lang="zh-TW" altLang="en-US"/>
               <a:t>按一下以編輯母片文字樣式</a:t>
             </a:r>
           </a:p>
@@ -2362,7 +2344,7 @@
           <a:p>
             <a:fld id="{9553D06D-798D-41B2-8E09-945CDEC492DF}" type="datetimeFigureOut">
               <a:rPr lang="zh-TW" altLang="en-US" smtClean="0"/>
-              <a:t>2023/11/7</a:t>
+              <a:t>2024/10/22</a:t>
             </a:fld>
             <a:endParaRPr lang="zh-TW" altLang="en-US"/>
           </a:p>
@@ -2471,10 +2453,9 @@
           <a:lstStyle/>
           <a:p>
             <a:r>
-              <a:rPr lang="zh-TW" altLang="en-US" smtClean="0"/>
+              <a:rPr lang="zh-TW" altLang="en-US"/>
               <a:t>按一下以編輯母片標題樣式</a:t>
             </a:r>
-            <a:endParaRPr lang="zh-TW" altLang="en-US"/>
           </a:p>
         </p:txBody>
       </p:sp>
@@ -2505,38 +2486,37 @@
           <a:p>
             <a:pPr lvl="0"/>
             <a:r>
-              <a:rPr lang="zh-TW" altLang="en-US" smtClean="0"/>
+              <a:rPr lang="zh-TW" altLang="en-US"/>
               <a:t>按一下以編輯母片文字樣式</a:t>
             </a:r>
           </a:p>
           <a:p>
             <a:pPr lvl="1"/>
             <a:r>
-              <a:rPr lang="zh-TW" altLang="en-US" smtClean="0"/>
+              <a:rPr lang="zh-TW" altLang="en-US"/>
               <a:t>第二層</a:t>
             </a:r>
           </a:p>
           <a:p>
             <a:pPr lvl="2"/>
             <a:r>
-              <a:rPr lang="zh-TW" altLang="en-US" smtClean="0"/>
+              <a:rPr lang="zh-TW" altLang="en-US"/>
               <a:t>第三層</a:t>
             </a:r>
           </a:p>
           <a:p>
             <a:pPr lvl="3"/>
             <a:r>
-              <a:rPr lang="zh-TW" altLang="en-US" smtClean="0"/>
+              <a:rPr lang="zh-TW" altLang="en-US"/>
               <a:t>第四層</a:t>
             </a:r>
           </a:p>
           <a:p>
             <a:pPr lvl="4"/>
             <a:r>
-              <a:rPr lang="zh-TW" altLang="en-US" smtClean="0"/>
+              <a:rPr lang="zh-TW" altLang="en-US"/>
               <a:t>第五層</a:t>
             </a:r>
-            <a:endParaRPr lang="zh-TW" altLang="en-US"/>
           </a:p>
         </p:txBody>
       </p:sp>
@@ -2575,7 +2555,7 @@
           <a:p>
             <a:fld id="{9553D06D-798D-41B2-8E09-945CDEC492DF}" type="datetimeFigureOut">
               <a:rPr lang="zh-TW" altLang="en-US" smtClean="0"/>
-              <a:t>2023/11/7</a:t>
+              <a:t>2024/10/22</a:t>
             </a:fld>
             <a:endParaRPr lang="zh-TW" altLang="en-US"/>
           </a:p>
@@ -2996,23 +2976,15 @@
           <a:lstStyle/>
           <a:p>
             <a:r>
-              <a:rPr lang="en-US" altLang="zh-TW" dirty="0" smtClean="0"/>
-              <a:t>Educational </a:t>
-            </a:r>
-            <a:r>
-              <a:rPr lang="en-US" altLang="zh-TW" dirty="0" smtClean="0"/>
-              <a:t>Data </a:t>
-            </a:r>
-            <a:r>
-              <a:rPr lang="en-US" altLang="zh-TW" dirty="0" smtClean="0"/>
-              <a:t>Mining and </a:t>
-            </a:r>
-            <a:r>
-              <a:rPr lang="en-US" altLang="zh-TW" smtClean="0"/>
+              <a:rPr lang="en-US" altLang="zh-TW" dirty="0"/>
+              <a:t>Educational Data Mining and </a:t>
+            </a:r>
+            <a:r>
+              <a:rPr lang="en-US" altLang="zh-TW"/>
               <a:t>Applciations: </a:t>
             </a:r>
             <a:r>
-              <a:rPr lang="en-US" altLang="zh-TW" dirty="0" smtClean="0"/>
+              <a:rPr lang="en-US" altLang="zh-TW" dirty="0"/>
               <a:t>HW#2</a:t>
             </a:r>
             <a:endParaRPr lang="zh-TW" altLang="en-US" dirty="0"/>
@@ -3035,14 +3007,14 @@
           <a:lstStyle/>
           <a:p>
             <a:r>
-              <a:rPr lang="en-US" altLang="zh-TW" dirty="0" smtClean="0"/>
+              <a:rPr lang="en-US" altLang="zh-TW" dirty="0"/>
               <a:t>By J. H. Wang</a:t>
             </a:r>
           </a:p>
           <a:p>
             <a:r>
-              <a:rPr lang="en-US" altLang="zh-TW" dirty="0" smtClean="0"/>
-              <a:t>Oct. 24, 2023</a:t>
+              <a:rPr lang="en-US" altLang="zh-TW" dirty="0"/>
+              <a:t>Oct. 15, 2024</a:t>
             </a:r>
             <a:endParaRPr lang="zh-TW" altLang="en-US" dirty="0"/>
           </a:p>
@@ -3058,13 +3030,6 @@
   <p:clrMapOvr>
     <a:masterClrMapping/>
   </p:clrMapOvr>
-  <p:timing>
-    <p:tnLst>
-      <p:par>
-        <p:cTn id="1" dur="indefinite" restart="never" nodeType="tmRoot"/>
-      </p:par>
-    </p:tnLst>
-  </p:timing>
 </p:sld>
 </file>
 
@@ -3087,7 +3052,13 @@
       </p:grpSpPr>
       <p:sp>
         <p:nvSpPr>
-          <p:cNvPr id="2" name="標題 1"/>
+          <p:cNvPr id="2" name="標題 1">
+            <a:extLst>
+              <a:ext uri="{FF2B5EF4-FFF2-40B4-BE49-F238E27FC236}">
+                <a16:creationId xmlns:a16="http://schemas.microsoft.com/office/drawing/2014/main" id="{6E2CFEC8-F7E9-4B81-91A4-2B1510892429}"/>
+              </a:ext>
+            </a:extLst>
+          </p:cNvPr>
           <p:cNvSpPr>
             <a:spLocks noGrp="1"/>
           </p:cNvSpPr>
@@ -3101,8 +3072,8 @@
           <a:lstStyle/>
           <a:p>
             <a:r>
-              <a:rPr lang="en-US" altLang="zh-TW" dirty="0" smtClean="0"/>
-              <a:t>Note on Programming Exercises</a:t>
+              <a:rPr lang="en-US" altLang="zh-TW" dirty="0"/>
+              <a:t>About DBLP dataset</a:t>
             </a:r>
             <a:endParaRPr lang="zh-TW" altLang="en-US" dirty="0"/>
           </a:p>
@@ -3110,7 +3081,13 @@
       </p:sp>
       <p:sp>
         <p:nvSpPr>
-          <p:cNvPr id="3" name="內容版面配置區 2"/>
+          <p:cNvPr id="3" name="內容版面配置區 2">
+            <a:extLst>
+              <a:ext uri="{FF2B5EF4-FFF2-40B4-BE49-F238E27FC236}">
+                <a16:creationId xmlns:a16="http://schemas.microsoft.com/office/drawing/2014/main" id="{08BE1F78-C2EE-4DD7-BF14-ABB31EA14D8F}"/>
+              </a:ext>
+            </a:extLst>
+          </p:cNvPr>
           <p:cNvSpPr>
             <a:spLocks noGrp="1"/>
           </p:cNvSpPr>
@@ -3120,119 +3097,68 @@
         </p:nvSpPr>
         <p:spPr/>
         <p:txBody>
-          <a:bodyPr>
-            <a:normAutofit/>
-          </a:bodyPr>
-          <a:lstStyle/>
-          <a:p>
-            <a:r>
-              <a:rPr lang="en-US" altLang="zh-TW" dirty="0"/>
-              <a:t>Implementation can be done as a team (&lt;= </a:t>
+          <a:bodyPr/>
+          <a:lstStyle/>
+          <a:p>
+            <a:r>
+              <a:rPr lang="en-US" altLang="zh-TW" dirty="0"/>
+              <a:t>You can find out how to download and parse the XML dump in the following document:</a:t>
+            </a:r>
+          </a:p>
+          <a:p>
+            <a:r>
+              <a:rPr lang="en-US" altLang="zh-TW" dirty="0"/>
+              <a:t>⁠</a:t>
             </a:r>
             <a:r>
               <a:rPr lang="en-US" altLang="zh-TW" dirty="0">
-                <a:solidFill>
-                  <a:srgbClr val="FF0000"/>
-                </a:solidFill>
+                <a:hlinkClick r:id="rId2" tooltip="https://dblp.org/faq/how+can+i+download+the+whole+dblp+dataset.html"/>
               </a:rPr>
-              <a:t>four</a:t>
-            </a:r>
-            <a:r>
-              <a:rPr lang="en-US" altLang="zh-TW" dirty="0"/>
-              <a:t> </a:t>
-            </a:r>
-            <a:r>
-              <a:rPr lang="en-US" altLang="zh-TW" dirty="0" smtClean="0"/>
-              <a:t>persons </a:t>
-            </a:r>
-            <a:r>
-              <a:rPr lang="en-US" altLang="zh-TW" dirty="0"/>
-              <a:t>per team)</a:t>
-            </a:r>
-          </a:p>
-          <a:p>
-            <a:pPr lvl="1"/>
-            <a:r>
-              <a:rPr lang="en-US" altLang="zh-TW" dirty="0" smtClean="0"/>
-              <a:t>Please remember to register your team members to the TA *as soon as possible*</a:t>
-            </a:r>
-            <a:endParaRPr lang="en-US" altLang="zh-TW" dirty="0" smtClean="0">
-              <a:solidFill>
-                <a:srgbClr val="FF0000"/>
-              </a:solidFill>
-            </a:endParaRPr>
-          </a:p>
-          <a:p>
-            <a:pPr marL="457200" lvl="1" indent="0">
-              <a:buNone/>
-            </a:pPr>
-            <a:endParaRPr lang="en-US" altLang="zh-TW" dirty="0" smtClean="0"/>
-          </a:p>
-          <a:p>
-            <a:r>
-              <a:rPr lang="en-US" altLang="zh-TW" dirty="0" smtClean="0"/>
-              <a:t>Each team has to complete </a:t>
-            </a:r>
-            <a:r>
-              <a:rPr lang="en-US" altLang="zh-TW" dirty="0" smtClean="0">
-                <a:solidFill>
-                  <a:srgbClr val="0000FF"/>
-                </a:solidFill>
+              <a:t>https://dblp.org/</a:t>
+            </a:r>
+            <a:r>
+              <a:rPr lang="en-US" altLang="zh-TW" dirty="0" err="1">
+                <a:hlinkClick r:id="rId2" tooltip="https://dblp.org/faq/how+can+i+download+the+whole+dblp+dataset.html"/>
               </a:rPr>
-              <a:t>at least one </a:t>
-            </a:r>
-            <a:r>
-              <a:rPr lang="en-US" altLang="zh-TW" dirty="0" smtClean="0"/>
-              <a:t>programming exercise</a:t>
-            </a:r>
-          </a:p>
-          <a:p>
-            <a:pPr lvl="1"/>
-            <a:r>
-              <a:rPr lang="en-US" altLang="zh-TW" dirty="0" smtClean="0"/>
-              <a:t>If you complete more programming projects, you will get extra bonus</a:t>
-            </a:r>
-          </a:p>
-          <a:p>
-            <a:endParaRPr lang="en-US" altLang="zh-TW" dirty="0" smtClean="0"/>
-          </a:p>
-          <a:p>
-            <a:r>
-              <a:rPr lang="en-US" altLang="zh-TW" dirty="0" smtClean="0"/>
-              <a:t>You can use </a:t>
-            </a:r>
-            <a:r>
-              <a:rPr lang="en-US" altLang="zh-TW" dirty="0" smtClean="0">
-                <a:solidFill>
-                  <a:srgbClr val="0000FF"/>
-                </a:solidFill>
+              <a:t>faq</a:t>
+            </a:r>
+            <a:r>
+              <a:rPr lang="en-US" altLang="zh-TW" dirty="0">
+                <a:hlinkClick r:id="rId2" tooltip="https://dblp.org/faq/how+can+i+download+the+whole+dblp+dataset.html"/>
               </a:rPr>
-              <a:t>any </a:t>
-            </a:r>
-            <a:r>
-              <a:rPr lang="en-US" altLang="zh-TW" dirty="0" smtClean="0"/>
-              <a:t>programming language to implement</a:t>
+              <a:t>/How+can+I+download+the+whole+dblp+dataset.html</a:t>
             </a:r>
             <a:endParaRPr lang="en-US" altLang="zh-TW" dirty="0"/>
           </a:p>
           <a:p>
-            <a:pPr lvl="1"/>
-            <a:r>
-              <a:rPr lang="en-US" altLang="zh-TW" dirty="0" smtClean="0"/>
-              <a:t>You </a:t>
-            </a:r>
-            <a:r>
-              <a:rPr lang="en-US" altLang="zh-TW" dirty="0" smtClean="0">
-                <a:solidFill>
-                  <a:srgbClr val="FF0000"/>
-                </a:solidFill>
+            <a:r>
+              <a:rPr lang="en-US" altLang="zh-TW" dirty="0"/>
+              <a:t>Or, you can directly download the XML dump in the following URL:</a:t>
+            </a:r>
+          </a:p>
+          <a:p>
+            <a:r>
+              <a:rPr lang="en-US" altLang="zh-TW" dirty="0"/>
+              <a:t>⁠</a:t>
+            </a:r>
+            <a:r>
+              <a:rPr lang="en-US" altLang="zh-TW" dirty="0">
+                <a:hlinkClick r:id="rId3" tooltip="https://dblp.org/xml/"/>
               </a:rPr>
-              <a:t>must</a:t>
-            </a:r>
-            <a:r>
-              <a:rPr lang="en-US" altLang="zh-TW" dirty="0" smtClean="0"/>
-              <a:t> provide detailed documentation on the necessary packages or libraries you used, where to download, how to install and configure</a:t>
-            </a:r>
+              <a:t>https://dblp.org/xml/</a:t>
+            </a:r>
+            <a:r>
+              <a:rPr lang="en-US" altLang="zh-TW" dirty="0"/>
+              <a:t> </a:t>
+            </a:r>
+          </a:p>
+          <a:p>
+            <a:r>
+              <a:rPr lang="en-US" altLang="zh-TW" dirty="0"/>
+              <a:t> </a:t>
+            </a:r>
+          </a:p>
+          <a:p>
             <a:endParaRPr lang="zh-TW" altLang="en-US" dirty="0"/>
           </a:p>
         </p:txBody>
@@ -3240,20 +3166,13 @@
     </p:spTree>
     <p:extLst>
       <p:ext uri="{BB962C8B-B14F-4D97-AF65-F5344CB8AC3E}">
-        <p14:creationId xmlns:p14="http://schemas.microsoft.com/office/powerpoint/2010/main" val="4031530191"/>
+        <p14:creationId xmlns:p14="http://schemas.microsoft.com/office/powerpoint/2010/main" val="2568191648"/>
       </p:ext>
     </p:extLst>
   </p:cSld>
   <p:clrMapOvr>
     <a:masterClrMapping/>
   </p:clrMapOvr>
-  <p:timing>
-    <p:tnLst>
-      <p:par>
-        <p:cTn id="1" dur="indefinite" restart="never" nodeType="tmRoot"/>
-      </p:par>
-    </p:tnLst>
-  </p:timing>
 </p:sld>
 </file>
 
@@ -3290,8 +3209,8 @@
           <a:lstStyle/>
           <a:p>
             <a:r>
-              <a:rPr lang="en-US" altLang="zh-TW" dirty="0" smtClean="0"/>
-              <a:t>Homework Submission</a:t>
+              <a:rPr lang="en-US" altLang="zh-TW" dirty="0"/>
+              <a:t>Note on Programming Exercises</a:t>
             </a:r>
             <a:endParaRPr lang="zh-TW" altLang="en-US" dirty="0"/>
           </a:p>
@@ -3309,69 +3228,110 @@
         </p:nvSpPr>
         <p:spPr/>
         <p:txBody>
-          <a:bodyPr/>
-          <a:lstStyle/>
-          <a:p>
-            <a:r>
-              <a:rPr lang="en-US" altLang="zh-TW" dirty="0" smtClean="0"/>
-              <a:t>For hand-written exercises, please hand in your homework in class (paper version)</a:t>
-            </a:r>
-          </a:p>
-          <a:p>
-            <a:pPr lvl="1"/>
-            <a:r>
-              <a:rPr lang="en-US" altLang="zh-TW" dirty="0" smtClean="0"/>
-              <a:t>Remember to write your student ID</a:t>
-            </a:r>
-          </a:p>
-          <a:p>
-            <a:pPr lvl="1"/>
-            <a:endParaRPr lang="en-US" altLang="zh-TW" dirty="0"/>
-          </a:p>
-          <a:p>
-            <a:r>
-              <a:rPr lang="en-US" altLang="zh-TW" dirty="0" smtClean="0"/>
-              <a:t>For programming projects, please submit a compressed file containing your </a:t>
-            </a:r>
-            <a:r>
-              <a:rPr lang="en-US" altLang="zh-TW" dirty="0" smtClean="0">
+          <a:bodyPr>
+            <a:normAutofit/>
+          </a:bodyPr>
+          <a:lstStyle/>
+          <a:p>
+            <a:r>
+              <a:rPr lang="en-US" altLang="zh-TW" dirty="0"/>
+              <a:t>Implementation can be done as a team (&lt;= </a:t>
+            </a:r>
+            <a:r>
+              <a:rPr lang="en-US" altLang="zh-TW" dirty="0">
                 <a:solidFill>
                   <a:srgbClr val="FF0000"/>
                 </a:solidFill>
               </a:rPr>
-              <a:t>source codes</a:t>
-            </a:r>
-            <a:r>
-              <a:rPr lang="en-US" altLang="zh-TW" dirty="0" smtClean="0"/>
-              <a:t>, </a:t>
-            </a:r>
-            <a:r>
-              <a:rPr lang="en-US" altLang="zh-TW" dirty="0" smtClean="0">
+              <a:t>four</a:t>
+            </a:r>
+            <a:r>
+              <a:rPr lang="en-US" altLang="zh-TW" dirty="0"/>
+              <a:t> persons per team)</a:t>
+            </a:r>
+          </a:p>
+          <a:p>
+            <a:pPr lvl="1"/>
+            <a:r>
+              <a:rPr lang="en-US" altLang="zh-TW" dirty="0"/>
+              <a:t>Please remember to register your team members to the TA *as soon as possible*</a:t>
+            </a:r>
+            <a:endParaRPr lang="en-US" altLang="zh-TW" dirty="0">
+              <a:solidFill>
+                <a:srgbClr val="FF0000"/>
+              </a:solidFill>
+            </a:endParaRPr>
+          </a:p>
+          <a:p>
+            <a:pPr marL="457200" lvl="1" indent="0">
+              <a:buNone/>
+            </a:pPr>
+            <a:endParaRPr lang="en-US" altLang="zh-TW" dirty="0"/>
+          </a:p>
+          <a:p>
+            <a:r>
+              <a:rPr lang="en-US" altLang="zh-TW" dirty="0"/>
+              <a:t>Each team has to complete </a:t>
+            </a:r>
+            <a:r>
+              <a:rPr lang="en-US" altLang="zh-TW" dirty="0">
+                <a:solidFill>
+                  <a:srgbClr val="0000FF"/>
+                </a:solidFill>
+              </a:rPr>
+              <a:t>at least one </a:t>
+            </a:r>
+            <a:r>
+              <a:rPr lang="en-US" altLang="zh-TW" dirty="0"/>
+              <a:t>programming exercise</a:t>
+            </a:r>
+          </a:p>
+          <a:p>
+            <a:pPr lvl="1"/>
+            <a:r>
+              <a:rPr lang="en-US" altLang="zh-TW" dirty="0"/>
+              <a:t>If you complete more programming projects, you will get extra bonus</a:t>
+            </a:r>
+          </a:p>
+          <a:p>
+            <a:endParaRPr lang="en-US" altLang="zh-TW" dirty="0"/>
+          </a:p>
+          <a:p>
+            <a:r>
+              <a:rPr lang="en-US" altLang="zh-TW" dirty="0"/>
+              <a:t>You can use </a:t>
+            </a:r>
+            <a:r>
+              <a:rPr lang="en-US" altLang="zh-TW" dirty="0">
+                <a:solidFill>
+                  <a:srgbClr val="0000FF"/>
+                </a:solidFill>
+              </a:rPr>
+              <a:t>any </a:t>
+            </a:r>
+            <a:r>
+              <a:rPr lang="en-US" altLang="zh-TW" dirty="0"/>
+              <a:t>programming language to implement</a:t>
+            </a:r>
+          </a:p>
+          <a:p>
+            <a:pPr lvl="1"/>
+            <a:r>
+              <a:rPr lang="en-US" altLang="zh-TW" dirty="0"/>
+              <a:t>You </a:t>
+            </a:r>
+            <a:r>
+              <a:rPr lang="en-US" altLang="zh-TW" dirty="0">
                 <a:solidFill>
                   <a:srgbClr val="FF0000"/>
                 </a:solidFill>
               </a:rPr>
-              <a:t>sample input and generated output</a:t>
-            </a:r>
-            <a:r>
-              <a:rPr lang="en-US" altLang="zh-TW" dirty="0" smtClean="0"/>
-              <a:t>, and </a:t>
-            </a:r>
-            <a:r>
-              <a:rPr lang="en-US" altLang="zh-TW" dirty="0" smtClean="0">
-                <a:solidFill>
-                  <a:srgbClr val="FF0000"/>
-                </a:solidFill>
-              </a:rPr>
-              <a:t>documentation</a:t>
-            </a:r>
-            <a:r>
-              <a:rPr lang="en-US" altLang="zh-TW" dirty="0" smtClean="0"/>
-              <a:t> on how to compile, install, or configure the environment.</a:t>
-            </a:r>
-          </a:p>
-          <a:p>
-            <a:pPr lvl="1"/>
+              <a:t>must</a:t>
+            </a:r>
+            <a:r>
+              <a:rPr lang="en-US" altLang="zh-TW" dirty="0"/>
+              <a:t> provide detailed documentation on the necessary packages or libraries you used, where to download, how to install and configure</a:t>
+            </a:r>
             <a:endParaRPr lang="zh-TW" altLang="en-US" dirty="0"/>
           </a:p>
         </p:txBody>
@@ -3379,20 +3339,13 @@
     </p:spTree>
     <p:extLst>
       <p:ext uri="{BB962C8B-B14F-4D97-AF65-F5344CB8AC3E}">
-        <p14:creationId xmlns:p14="http://schemas.microsoft.com/office/powerpoint/2010/main" val="2211693576"/>
+        <p14:creationId xmlns:p14="http://schemas.microsoft.com/office/powerpoint/2010/main" val="4031530191"/>
       </p:ext>
     </p:extLst>
   </p:cSld>
   <p:clrMapOvr>
     <a:masterClrMapping/>
   </p:clrMapOvr>
-  <p:timing>
-    <p:tnLst>
-      <p:par>
-        <p:cTn id="1" dur="indefinite" restart="never" nodeType="tmRoot"/>
-      </p:par>
-    </p:tnLst>
-  </p:timing>
 </p:sld>
 </file>
 
@@ -3429,7 +3382,139 @@
           <a:lstStyle/>
           <a:p>
             <a:r>
-              <a:rPr lang="en-US" altLang="zh-TW" dirty="0" smtClean="0"/>
+              <a:rPr lang="en-US" altLang="zh-TW" dirty="0"/>
+              <a:t>Homework Submission</a:t>
+            </a:r>
+            <a:endParaRPr lang="zh-TW" altLang="en-US" dirty="0"/>
+          </a:p>
+        </p:txBody>
+      </p:sp>
+      <p:sp>
+        <p:nvSpPr>
+          <p:cNvPr id="3" name="內容版面配置區 2"/>
+          <p:cNvSpPr>
+            <a:spLocks noGrp="1"/>
+          </p:cNvSpPr>
+          <p:nvPr>
+            <p:ph idx="1"/>
+          </p:nvPr>
+        </p:nvSpPr>
+        <p:spPr/>
+        <p:txBody>
+          <a:bodyPr/>
+          <a:lstStyle/>
+          <a:p>
+            <a:r>
+              <a:rPr lang="en-US" altLang="zh-TW" dirty="0"/>
+              <a:t>For hand-written exercises, please hand in your homework in class (paper version)</a:t>
+            </a:r>
+          </a:p>
+          <a:p>
+            <a:pPr lvl="1"/>
+            <a:r>
+              <a:rPr lang="en-US" altLang="zh-TW" dirty="0"/>
+              <a:t>Remember to write your student ID</a:t>
+            </a:r>
+          </a:p>
+          <a:p>
+            <a:pPr lvl="1"/>
+            <a:endParaRPr lang="en-US" altLang="zh-TW" dirty="0"/>
+          </a:p>
+          <a:p>
+            <a:r>
+              <a:rPr lang="en-US" altLang="zh-TW" dirty="0"/>
+              <a:t>For programming projects, please submit a compressed file containing your </a:t>
+            </a:r>
+            <a:r>
+              <a:rPr lang="en-US" altLang="zh-TW" dirty="0">
+                <a:solidFill>
+                  <a:srgbClr val="FF0000"/>
+                </a:solidFill>
+              </a:rPr>
+              <a:t>source codes</a:t>
+            </a:r>
+            <a:r>
+              <a:rPr lang="en-US" altLang="zh-TW" dirty="0"/>
+              <a:t>, </a:t>
+            </a:r>
+            <a:r>
+              <a:rPr lang="en-US" altLang="zh-TW" dirty="0">
+                <a:solidFill>
+                  <a:srgbClr val="FF0000"/>
+                </a:solidFill>
+              </a:rPr>
+              <a:t>sample input and generated output</a:t>
+            </a:r>
+            <a:r>
+              <a:rPr lang="en-US" altLang="zh-TW" dirty="0"/>
+              <a:t>, and </a:t>
+            </a:r>
+            <a:r>
+              <a:rPr lang="en-US" altLang="zh-TW" dirty="0">
+                <a:solidFill>
+                  <a:srgbClr val="FF0000"/>
+                </a:solidFill>
+              </a:rPr>
+              <a:t>documentation</a:t>
+            </a:r>
+            <a:r>
+              <a:rPr lang="en-US" altLang="zh-TW" dirty="0"/>
+              <a:t> on how to compile, install, or configure the environment.</a:t>
+            </a:r>
+          </a:p>
+          <a:p>
+            <a:pPr lvl="1"/>
+            <a:endParaRPr lang="zh-TW" altLang="en-US" dirty="0"/>
+          </a:p>
+        </p:txBody>
+      </p:sp>
+    </p:spTree>
+    <p:extLst>
+      <p:ext uri="{BB962C8B-B14F-4D97-AF65-F5344CB8AC3E}">
+        <p14:creationId xmlns:p14="http://schemas.microsoft.com/office/powerpoint/2010/main" val="2211693576"/>
+      </p:ext>
+    </p:extLst>
+  </p:cSld>
+  <p:clrMapOvr>
+    <a:masterClrMapping/>
+  </p:clrMapOvr>
+</p:sld>
+</file>
+
+<file path=ppt/slides/slide13.xml><?xml version="1.0" encoding="utf-8"?>
+<p:sld xmlns:a="http://schemas.openxmlformats.org/drawingml/2006/main" xmlns:r="http://schemas.openxmlformats.org/officeDocument/2006/relationships" xmlns:p="http://schemas.openxmlformats.org/presentationml/2006/main">
+  <p:cSld>
+    <p:spTree>
+      <p:nvGrpSpPr>
+        <p:cNvPr id="1" name=""/>
+        <p:cNvGrpSpPr/>
+        <p:nvPr/>
+      </p:nvGrpSpPr>
+      <p:grpSpPr>
+        <a:xfrm>
+          <a:off x="0" y="0"/>
+          <a:ext cx="0" cy="0"/>
+          <a:chOff x="0" y="0"/>
+          <a:chExt cx="0" cy="0"/>
+        </a:xfrm>
+      </p:grpSpPr>
+      <p:sp>
+        <p:nvSpPr>
+          <p:cNvPr id="2" name="標題 1"/>
+          <p:cNvSpPr>
+            <a:spLocks noGrp="1"/>
+          </p:cNvSpPr>
+          <p:nvPr>
+            <p:ph type="title"/>
+          </p:nvPr>
+        </p:nvSpPr>
+        <p:spPr/>
+        <p:txBody>
+          <a:bodyPr/>
+          <a:lstStyle/>
+          <a:p>
+            <a:r>
+              <a:rPr lang="en-US" altLang="zh-TW" dirty="0"/>
               <a:t>Thanks for Your Attention!</a:t>
             </a:r>
             <a:endParaRPr lang="zh-TW" altLang="en-US" dirty="0"/>
@@ -3465,13 +3550,6 @@
   <p:clrMapOvr>
     <a:masterClrMapping/>
   </p:clrMapOvr>
-  <p:timing>
-    <p:tnLst>
-      <p:par>
-        <p:cTn id="1" dur="indefinite" restart="never" nodeType="tmRoot"/>
-      </p:par>
-    </p:tnLst>
-  </p:timing>
 </p:sld>
 </file>
 
@@ -3508,11 +3586,11 @@
           <a:lstStyle/>
           <a:p>
             <a:r>
-              <a:rPr lang="en-US" altLang="zh-TW" dirty="0" smtClean="0"/>
+              <a:rPr lang="en-US" altLang="zh-TW" dirty="0"/>
               <a:t>Homework #2: Frequent </a:t>
             </a:r>
             <a:r>
-              <a:rPr lang="en-US" altLang="zh-TW" smtClean="0"/>
+              <a:rPr lang="en-US" altLang="zh-TW"/>
               <a:t>Pattern Mining</a:t>
             </a:r>
             <a:endParaRPr lang="zh-TW" altLang="en-US" dirty="0"/>
@@ -3537,41 +3615,41 @@
           <a:lstStyle/>
           <a:p>
             <a:r>
-              <a:rPr lang="en-US" altLang="zh-TW" dirty="0" smtClean="0"/>
-              <a:t>Chap.6:</a:t>
+              <a:rPr lang="en-US" altLang="zh-TW" dirty="0"/>
+              <a:t>Chap.4:</a:t>
             </a:r>
           </a:p>
           <a:p>
             <a:pPr lvl="1"/>
             <a:r>
-              <a:rPr lang="en-US" altLang="zh-TW" dirty="0" smtClean="0"/>
-              <a:t>6.3</a:t>
+              <a:rPr lang="en-US" altLang="zh-TW" dirty="0"/>
+              <a:t>4.3</a:t>
             </a:r>
           </a:p>
           <a:p>
             <a:pPr lvl="1"/>
             <a:r>
-              <a:rPr lang="en-US" altLang="zh-TW" dirty="0" smtClean="0"/>
-              <a:t>6.6</a:t>
+              <a:rPr lang="en-US" altLang="zh-TW" dirty="0"/>
+              <a:t>4.8</a:t>
             </a:r>
           </a:p>
           <a:p>
             <a:pPr lvl="1"/>
             <a:r>
-              <a:rPr lang="en-US" altLang="zh-TW" dirty="0" smtClean="0"/>
-              <a:t>6.14</a:t>
-            </a:r>
-          </a:p>
-          <a:p>
-            <a:r>
-              <a:rPr lang="en-US" altLang="zh-TW" dirty="0" smtClean="0"/>
+              <a:rPr lang="en-US" altLang="zh-TW" dirty="0"/>
+              <a:t>4.14</a:t>
+            </a:r>
+          </a:p>
+          <a:p>
+            <a:r>
+              <a:rPr lang="en-US" altLang="zh-TW" dirty="0"/>
               <a:t>Programming exercises:</a:t>
             </a:r>
           </a:p>
           <a:p>
             <a:pPr lvl="1"/>
             <a:r>
-              <a:rPr lang="en-US" altLang="zh-TW" dirty="0" smtClean="0">
+              <a:rPr lang="en-US" altLang="zh-TW" dirty="0">
                 <a:solidFill>
                   <a:srgbClr val="0000FF"/>
                 </a:solidFill>
@@ -3579,14 +3657,14 @@
               <a:t>*</a:t>
             </a:r>
             <a:r>
-              <a:rPr lang="en-US" altLang="zh-TW" dirty="0" smtClean="0"/>
-              <a:t>6.7(a)(b)</a:t>
+              <a:rPr lang="en-US" altLang="zh-TW" dirty="0"/>
+              <a:t>4.7(a)(b)</a:t>
             </a:r>
           </a:p>
           <a:p>
             <a:pPr lvl="1"/>
             <a:r>
-              <a:rPr lang="en-US" altLang="zh-TW" dirty="0" smtClean="0">
+              <a:rPr lang="en-US" altLang="zh-TW" dirty="0">
                 <a:solidFill>
                   <a:srgbClr val="0000FF"/>
                 </a:solidFill>
@@ -3594,13 +3672,13 @@
               <a:t>*</a:t>
             </a:r>
             <a:r>
-              <a:rPr lang="en-US" altLang="zh-TW" dirty="0" smtClean="0"/>
-              <a:t>6.15</a:t>
-            </a:r>
-          </a:p>
-          <a:p>
-            <a:r>
-              <a:rPr lang="en-US" altLang="zh-TW" dirty="0" smtClean="0">
+              <a:rPr lang="en-US" altLang="zh-TW" dirty="0"/>
+              <a:t>4.15(a)(b)</a:t>
+            </a:r>
+          </a:p>
+          <a:p>
+            <a:r>
+              <a:rPr lang="en-US" altLang="zh-TW" dirty="0">
                 <a:solidFill>
                   <a:srgbClr val="0000FF"/>
                 </a:solidFill>
@@ -3608,15 +3686,11 @@
               <a:t>*</a:t>
             </a:r>
             <a:r>
-              <a:rPr lang="en-US" altLang="zh-TW" dirty="0" smtClean="0"/>
-              <a:t> denotes the two programming exercises where each team must </a:t>
-            </a:r>
-            <a:r>
-              <a:rPr lang="en-US" altLang="zh-TW" dirty="0"/>
-              <a:t>implement </a:t>
-            </a:r>
-            <a:r>
-              <a:rPr lang="en-US" altLang="zh-TW" dirty="0" smtClean="0">
+              <a:rPr lang="en-US" altLang="zh-TW" dirty="0"/>
+              <a:t> denotes the programming exercises where each team must implement </a:t>
+            </a:r>
+            <a:r>
+              <a:rPr lang="en-US" altLang="zh-TW" dirty="0">
                 <a:solidFill>
                   <a:srgbClr val="0000FF"/>
                 </a:solidFill>
@@ -3626,19 +3700,19 @@
           </a:p>
           <a:p>
             <a:r>
-              <a:rPr lang="en-US" altLang="zh-TW" dirty="0" smtClean="0"/>
+              <a:rPr lang="en-US" altLang="zh-TW" dirty="0"/>
               <a:t>Due: 2 weeks (</a:t>
             </a:r>
             <a:r>
-              <a:rPr lang="en-US" altLang="zh-TW" dirty="0" smtClean="0">
+              <a:rPr lang="en-US" altLang="zh-TW" dirty="0">
                 <a:solidFill>
                   <a:srgbClr val="FF0000"/>
                 </a:solidFill>
               </a:rPr>
-              <a:t>Nov. 7, 2023</a:t>
-            </a:r>
-            <a:r>
-              <a:rPr lang="en-US" altLang="zh-TW" dirty="0" smtClean="0"/>
+              <a:t>Oct. 30, 2024</a:t>
+            </a:r>
+            <a:r>
+              <a:rPr lang="en-US" altLang="zh-TW" dirty="0"/>
               <a:t>)</a:t>
             </a:r>
             <a:endParaRPr lang="zh-TW" altLang="en-US" dirty="0"/>
@@ -3655,13 +3729,6 @@
   <p:clrMapOvr>
     <a:masterClrMapping/>
   </p:clrMapOvr>
-  <p:timing>
-    <p:tnLst>
-      <p:par>
-        <p:cTn id="1" dur="indefinite" restart="never" nodeType="tmRoot"/>
-      </p:par>
-    </p:tnLst>
-  </p:timing>
 </p:sld>
 </file>
 
@@ -3699,7 +3766,7 @@
           <a:p>
             <a:r>
               <a:rPr lang="en-US" altLang="zh-TW" dirty="0"/>
-              <a:t>Exercises for Chap.6</a:t>
+              <a:t>Exercises for Chap.4</a:t>
             </a:r>
             <a:endParaRPr lang="zh-TW" altLang="en-US" dirty="0"/>
           </a:p>
@@ -3723,19 +3790,19 @@
           <a:lstStyle/>
           <a:p>
             <a:r>
-              <a:rPr lang="en-US" altLang="zh-TW" dirty="0" smtClean="0"/>
-              <a:t>6.3: (</a:t>
-            </a:r>
-            <a:r>
-              <a:rPr lang="en-US" altLang="zh-TW" b="1" dirty="0" smtClean="0"/>
+              <a:rPr lang="en-US" altLang="zh-TW" dirty="0"/>
+              <a:t>4.3: (</a:t>
+            </a:r>
+            <a:r>
+              <a:rPr lang="en-US" altLang="zh-TW" b="1" dirty="0"/>
               <a:t>30pt</a:t>
             </a:r>
             <a:r>
-              <a:rPr lang="en-US" altLang="zh-TW" dirty="0" smtClean="0"/>
+              <a:rPr lang="en-US" altLang="zh-TW" dirty="0"/>
               <a:t>)</a:t>
             </a:r>
             <a:r>
-              <a:rPr lang="en-US" altLang="zh-TW" b="1" dirty="0" smtClean="0"/>
+              <a:rPr lang="en-US" altLang="zh-TW" b="1" dirty="0"/>
               <a:t> </a:t>
             </a:r>
             <a:r>
@@ -3762,23 +3829,7 @@
           <a:p>
             <a:r>
               <a:rPr lang="en-US" altLang="zh-TW" dirty="0"/>
-              <a:t>(a) </a:t>
-            </a:r>
-            <a:r>
-              <a:rPr lang="en-US" altLang="zh-TW" dirty="0" smtClean="0"/>
-              <a:t>(5pt</a:t>
-            </a:r>
-            <a:r>
-              <a:rPr lang="en-US" altLang="zh-TW" dirty="0"/>
-              <a:t>) </a:t>
-            </a:r>
-            <a:r>
-              <a:rPr lang="en-US" altLang="zh-TW" dirty="0" smtClean="0"/>
-              <a:t>Prove </a:t>
-            </a:r>
-            <a:r>
-              <a:rPr lang="en-US" altLang="zh-TW" dirty="0"/>
-              <a:t>that all nonempty subsets of a frequent </a:t>
+              <a:t>(a) (5pt) Prove that all nonempty subsets of a frequent </a:t>
             </a:r>
             <a:r>
               <a:rPr lang="en-US" altLang="zh-TW" dirty="0" err="1"/>
@@ -3792,35 +3843,15 @@
           <a:p>
             <a:r>
               <a:rPr lang="en-US" altLang="zh-TW" dirty="0"/>
-              <a:t>(b) </a:t>
-            </a:r>
-            <a:r>
-              <a:rPr lang="en-US" altLang="zh-TW" dirty="0" smtClean="0"/>
-              <a:t>(5pt</a:t>
-            </a:r>
-            <a:r>
-              <a:rPr lang="en-US" altLang="zh-TW" dirty="0"/>
-              <a:t>) </a:t>
-            </a:r>
-            <a:r>
-              <a:rPr lang="en-US" altLang="zh-TW" dirty="0" smtClean="0"/>
-              <a:t>Prove </a:t>
-            </a:r>
-            <a:r>
-              <a:rPr lang="en-US" altLang="zh-TW" dirty="0"/>
-              <a:t>that the support of any nonempty subset </a:t>
-            </a:r>
-            <a:r>
-              <a:rPr lang="en-US" altLang="zh-TW" i="1" dirty="0" smtClean="0"/>
+              <a:t>(b) (5pt) Prove that the support of any nonempty subset </a:t>
+            </a:r>
+            <a:r>
+              <a:rPr lang="en-US" altLang="zh-TW" i="1" dirty="0"/>
               <a:t>s</a:t>
             </a:r>
             <a:r>
-              <a:rPr lang="en-US" altLang="zh-TW" dirty="0" smtClean="0"/>
-              <a:t>’ </a:t>
-            </a:r>
-            <a:r>
-              <a:rPr lang="en-US" altLang="zh-TW" dirty="0"/>
-              <a:t>of </a:t>
+              <a:rPr lang="en-US" altLang="zh-TW" dirty="0"/>
+              <a:t>’ of </a:t>
             </a:r>
             <a:r>
               <a:rPr lang="en-US" altLang="zh-TW" dirty="0" err="1"/>
@@ -3836,15 +3867,7 @@
             </a:r>
             <a:r>
               <a:rPr lang="en-US" altLang="zh-TW" dirty="0"/>
-              <a:t>must be at </a:t>
-            </a:r>
-            <a:r>
-              <a:rPr lang="en-US" altLang="zh-TW" dirty="0" smtClean="0"/>
-              <a:t>least as </a:t>
-            </a:r>
-            <a:r>
-              <a:rPr lang="en-US" altLang="zh-TW" dirty="0"/>
-              <a:t>great as the support of </a:t>
+              <a:t>must be at least as great as the support of </a:t>
             </a:r>
             <a:r>
               <a:rPr lang="en-US" altLang="zh-TW" i="1" dirty="0"/>
@@ -3858,15 +3881,7 @@
           <a:p>
             <a:r>
               <a:rPr lang="en-US" altLang="zh-TW" dirty="0"/>
-              <a:t>(c) (10pt) </a:t>
-            </a:r>
-            <a:r>
-              <a:rPr lang="en-US" altLang="zh-TW" dirty="0" smtClean="0"/>
-              <a:t>Given </a:t>
-            </a:r>
-            <a:r>
-              <a:rPr lang="en-US" altLang="zh-TW" dirty="0"/>
-              <a:t>frequent </a:t>
+              <a:t>(c) (10pt) Given frequent </a:t>
             </a:r>
             <a:r>
               <a:rPr lang="en-US" altLang="zh-TW" dirty="0" err="1"/>
@@ -3877,7 +3892,7 @@
               <a:t> </a:t>
             </a:r>
             <a:r>
-              <a:rPr lang="en-US" altLang="zh-TW" i="1" dirty="0" smtClean="0"/>
+              <a:rPr lang="en-US" altLang="zh-TW" i="1" dirty="0"/>
               <a:t>l </a:t>
             </a:r>
             <a:r>
@@ -3893,88 +3908,12 @@
               <a:t>of </a:t>
             </a:r>
             <a:r>
-              <a:rPr lang="en-US" altLang="zh-TW" i="1" dirty="0" smtClean="0"/>
+              <a:rPr lang="en-US" altLang="zh-TW" i="1" dirty="0"/>
               <a:t>l</a:t>
             </a:r>
             <a:r>
-              <a:rPr lang="en-US" altLang="zh-TW" dirty="0" smtClean="0"/>
-              <a:t>, </a:t>
-            </a:r>
-            <a:r>
-              <a:rPr lang="en-US" altLang="zh-TW" dirty="0"/>
-              <a:t>prove that the confidence of the </a:t>
-            </a:r>
-            <a:r>
-              <a:rPr lang="en-US" altLang="zh-TW" dirty="0" smtClean="0"/>
-              <a:t>rule “</a:t>
-            </a:r>
-            <a:r>
-              <a:rPr lang="en-US" altLang="zh-TW" i="1" dirty="0" smtClean="0"/>
-              <a:t>s</a:t>
-            </a:r>
-            <a:r>
-              <a:rPr lang="en-US" altLang="zh-TW" dirty="0" smtClean="0"/>
-              <a:t>’ =&gt; (</a:t>
-            </a:r>
-            <a:r>
-              <a:rPr lang="en-US" altLang="zh-TW" i="1" dirty="0" smtClean="0"/>
-              <a:t>l </a:t>
-            </a:r>
-            <a:r>
-              <a:rPr lang="en-US" altLang="zh-TW" dirty="0" smtClean="0"/>
-              <a:t>- </a:t>
-            </a:r>
-            <a:r>
-              <a:rPr lang="en-US" altLang="zh-TW" i="1" dirty="0" smtClean="0"/>
-              <a:t>s</a:t>
-            </a:r>
-            <a:r>
-              <a:rPr lang="en-US" altLang="zh-TW" dirty="0" smtClean="0"/>
-              <a:t>’)” </a:t>
-            </a:r>
-            <a:r>
-              <a:rPr lang="en-US" altLang="zh-TW" dirty="0"/>
-              <a:t>cannot be more than the confidence of “</a:t>
-            </a:r>
-            <a:r>
-              <a:rPr lang="en-US" altLang="zh-TW" i="1" dirty="0" smtClean="0"/>
-              <a:t>s</a:t>
-            </a:r>
-            <a:r>
-              <a:rPr lang="en-US" altLang="zh-TW" dirty="0" smtClean="0"/>
-              <a:t>=&gt;(</a:t>
-            </a:r>
-            <a:r>
-              <a:rPr lang="en-US" altLang="zh-TW" i="1" dirty="0" smtClean="0"/>
-              <a:t>l </a:t>
-            </a:r>
-            <a:r>
-              <a:rPr lang="en-US" altLang="zh-TW" dirty="0" smtClean="0"/>
-              <a:t>–</a:t>
-            </a:r>
-            <a:r>
-              <a:rPr lang="en-US" altLang="zh-TW" i="1" dirty="0" smtClean="0"/>
-              <a:t>s</a:t>
-            </a:r>
-            <a:r>
-              <a:rPr lang="en-US" altLang="zh-TW" dirty="0" smtClean="0"/>
-              <a:t>)”, </a:t>
-            </a:r>
-            <a:r>
-              <a:rPr lang="en-US" altLang="zh-TW" dirty="0"/>
-              <a:t>where </a:t>
-            </a:r>
-            <a:r>
-              <a:rPr lang="en-US" altLang="zh-TW" i="1" dirty="0" smtClean="0"/>
-              <a:t>s</a:t>
-            </a:r>
-            <a:r>
-              <a:rPr lang="en-US" altLang="zh-TW" dirty="0" smtClean="0"/>
-              <a:t>’ is a </a:t>
-            </a:r>
-            <a:r>
-              <a:rPr lang="en-US" altLang="zh-TW" dirty="0"/>
-              <a:t>subset of </a:t>
+              <a:rPr lang="en-US" altLang="zh-TW" dirty="0"/>
+              <a:t>, prove that the confidence of the rule “</a:t>
             </a:r>
             <a:r>
               <a:rPr lang="en-US" altLang="zh-TW" i="1" dirty="0"/>
@@ -3982,25 +3921,69 @@
             </a:r>
             <a:r>
               <a:rPr lang="en-US" altLang="zh-TW" dirty="0"/>
+              <a:t>’ =&gt; (</a:t>
+            </a:r>
+            <a:r>
+              <a:rPr lang="en-US" altLang="zh-TW" i="1" dirty="0"/>
+              <a:t>l </a:t>
+            </a:r>
+            <a:r>
+              <a:rPr lang="en-US" altLang="zh-TW" dirty="0"/>
+              <a:t>- </a:t>
+            </a:r>
+            <a:r>
+              <a:rPr lang="en-US" altLang="zh-TW" i="1" dirty="0"/>
+              <a:t>s</a:t>
+            </a:r>
+            <a:r>
+              <a:rPr lang="en-US" altLang="zh-TW" dirty="0"/>
+              <a:t>’)” cannot be more than the confidence of “</a:t>
+            </a:r>
+            <a:r>
+              <a:rPr lang="en-US" altLang="zh-TW" i="1" dirty="0"/>
+              <a:t>s</a:t>
+            </a:r>
+            <a:r>
+              <a:rPr lang="en-US" altLang="zh-TW" dirty="0"/>
+              <a:t>=&gt;(</a:t>
+            </a:r>
+            <a:r>
+              <a:rPr lang="en-US" altLang="zh-TW" i="1" dirty="0"/>
+              <a:t>l </a:t>
+            </a:r>
+            <a:r>
+              <a:rPr lang="en-US" altLang="zh-TW" dirty="0"/>
+              <a:t>–</a:t>
+            </a:r>
+            <a:r>
+              <a:rPr lang="en-US" altLang="zh-TW" i="1" dirty="0"/>
+              <a:t>s</a:t>
+            </a:r>
+            <a:r>
+              <a:rPr lang="en-US" altLang="zh-TW" dirty="0"/>
+              <a:t>)”, where </a:t>
+            </a:r>
+            <a:r>
+              <a:rPr lang="en-US" altLang="zh-TW" i="1" dirty="0"/>
+              <a:t>s</a:t>
+            </a:r>
+            <a:r>
+              <a:rPr lang="en-US" altLang="zh-TW" dirty="0"/>
+              <a:t>’ is a subset of </a:t>
+            </a:r>
+            <a:r>
+              <a:rPr lang="en-US" altLang="zh-TW" i="1" dirty="0"/>
+              <a:t>s</a:t>
+            </a:r>
+            <a:r>
+              <a:rPr lang="en-US" altLang="zh-TW" dirty="0"/>
               <a:t>.</a:t>
             </a:r>
           </a:p>
           <a:p>
             <a:r>
               <a:rPr lang="en-US" altLang="zh-TW" dirty="0"/>
-              <a:t>(d) (</a:t>
-            </a:r>
-            <a:r>
-              <a:rPr lang="en-US" altLang="zh-TW" dirty="0" smtClean="0"/>
-              <a:t>10pt</a:t>
-            </a:r>
-            <a:r>
-              <a:rPr lang="en-US" altLang="zh-TW" dirty="0"/>
-              <a:t>) </a:t>
-            </a:r>
-            <a:r>
-              <a:rPr lang="en-US" altLang="zh-TW" dirty="0" smtClean="0"/>
-              <a:t>A </a:t>
+              <a:t>(d) (10pt) A </a:t>
             </a:r>
             <a:r>
               <a:rPr lang="en-US" altLang="zh-TW" i="1" dirty="0"/>
@@ -4019,11 +4002,11 @@
               <a:t> subdivides the transactions of a database </a:t>
             </a:r>
             <a:r>
-              <a:rPr lang="en-US" altLang="zh-TW" i="1" dirty="0" smtClean="0"/>
+              <a:rPr lang="en-US" altLang="zh-TW" i="1" dirty="0"/>
               <a:t>D </a:t>
             </a:r>
             <a:r>
-              <a:rPr lang="en-US" altLang="zh-TW" dirty="0" smtClean="0"/>
+              <a:rPr lang="en-US" altLang="zh-TW" dirty="0"/>
               <a:t>into </a:t>
             </a:r>
             <a:r>
@@ -4047,16 +4030,12 @@
               <a:t> that is frequent in </a:t>
             </a:r>
             <a:r>
-              <a:rPr lang="en-US" altLang="zh-TW" i="1" dirty="0" smtClean="0"/>
+              <a:rPr lang="en-US" altLang="zh-TW" i="1" dirty="0"/>
               <a:t>D </a:t>
             </a:r>
             <a:r>
-              <a:rPr lang="en-US" altLang="zh-TW" dirty="0" smtClean="0"/>
-              <a:t>must </a:t>
-            </a:r>
-            <a:r>
-              <a:rPr lang="en-US" altLang="zh-TW" dirty="0"/>
-              <a:t>be frequent in at least one partition of </a:t>
+              <a:rPr lang="en-US" altLang="zh-TW" dirty="0"/>
+              <a:t>must be frequent in at least one partition of </a:t>
             </a:r>
             <a:r>
               <a:rPr lang="en-US" altLang="zh-TW" i="1" dirty="0"/>
@@ -4115,7 +4094,7 @@
           <a:bodyPr/>
           <a:lstStyle/>
           <a:p>
-            <a:endParaRPr lang="zh-TW" altLang="en-US"/>
+            <a:endParaRPr lang="zh-TW" altLang="en-US" dirty="0"/>
           </a:p>
         </p:txBody>
       </p:sp>
@@ -4131,25 +4110,22 @@
         </p:nvSpPr>
         <p:spPr/>
         <p:txBody>
-          <a:bodyPr/>
-          <a:lstStyle/>
-          <a:p>
-            <a:pPr lvl="0"/>
-            <a:r>
-              <a:rPr lang="en-US" altLang="zh-TW" dirty="0" smtClean="0"/>
-              <a:t>6.6: (</a:t>
-            </a:r>
-            <a:r>
-              <a:rPr lang="en-US" altLang="zh-TW" b="1" dirty="0" smtClean="0"/>
-              <a:t>30 </a:t>
-            </a:r>
-            <a:r>
-              <a:rPr lang="en-US" altLang="zh-TW" b="1" dirty="0" err="1"/>
-              <a:t>pt</a:t>
-            </a:r>
-            <a:r>
-              <a:rPr lang="en-US" altLang="zh-TW" dirty="0"/>
-              <a:t>) A database has six transactions. Let </a:t>
+          <a:bodyPr>
+            <a:normAutofit/>
+          </a:bodyPr>
+          <a:lstStyle/>
+          <a:p>
+            <a:r>
+              <a:rPr lang="en-US" altLang="zh-TW" dirty="0"/>
+              <a:t>4.8: (</a:t>
+            </a:r>
+            <a:r>
+              <a:rPr lang="en-US" altLang="zh-TW" b="1" dirty="0"/>
+              <a:t>30pt</a:t>
+            </a:r>
+            <a:r>
+              <a:rPr lang="en-US" altLang="zh-TW" dirty="0"/>
+              <a:t>) A database has four transactions. Let </a:t>
             </a:r>
             <a:r>
               <a:rPr lang="en-US" altLang="zh-TW" dirty="0" err="1"/>
@@ -4165,437 +4141,392 @@
             </a:r>
             <a:r>
               <a:rPr lang="en-US" altLang="zh-TW" dirty="0"/>
-              <a:t>=80</a:t>
-            </a:r>
-            <a:r>
-              <a:rPr lang="en-US" altLang="zh-TW" dirty="0" smtClean="0"/>
-              <a:t>%.</a:t>
-            </a:r>
-          </a:p>
-          <a:p>
-            <a:pPr lvl="0"/>
-            <a:endParaRPr lang="zh-TW" altLang="zh-TW" dirty="0"/>
-          </a:p>
-          <a:p>
+              <a:t>=80%.</a:t>
+            </a:r>
+            <a:br>
+              <a:rPr lang="en-US" altLang="zh-TW" dirty="0"/>
+            </a:br>
+            <a:br>
+              <a:rPr lang="en-US" altLang="zh-TW" dirty="0"/>
+            </a:br>
+            <a:br>
+              <a:rPr lang="en-US" altLang="zh-TW" dirty="0"/>
+            </a:br>
+            <a:endParaRPr lang="en-US" altLang="zh-TW" dirty="0"/>
+          </a:p>
+          <a:p>
+            <a:pPr marL="0" indent="0">
+              <a:buNone/>
+            </a:pPr>
+            <a:endParaRPr lang="en-US" altLang="zh-TW" dirty="0"/>
+          </a:p>
+          <a:p>
+            <a:pPr marL="0" indent="0">
+              <a:buNone/>
+            </a:pPr>
+            <a:endParaRPr lang="en-US" altLang="zh-TW" dirty="0"/>
+          </a:p>
+          <a:p>
+            <a:pPr lvl="1"/>
+            <a:endParaRPr lang="en-US" altLang="zh-TW" dirty="0"/>
+          </a:p>
+          <a:p>
+            <a:pPr lvl="1"/>
             <a:endParaRPr lang="zh-TW" altLang="en-US" dirty="0"/>
           </a:p>
         </p:txBody>
       </p:sp>
       <p:graphicFrame>
         <p:nvGraphicFramePr>
-          <p:cNvPr id="6" name="表格 5"/>
+          <p:cNvPr id="4" name="表格 3"/>
           <p:cNvGraphicFramePr>
             <a:graphicFrameLocks noGrp="1"/>
           </p:cNvGraphicFramePr>
-          <p:nvPr>
-            <p:extLst>
-              <p:ext uri="{D42A27DB-BD31-4B8C-83A1-F6EECF244321}">
-                <p14:modId xmlns:p14="http://schemas.microsoft.com/office/powerpoint/2010/main" val="4241991179"/>
-              </p:ext>
-            </p:extLst>
-          </p:nvPr>
+          <p:nvPr/>
         </p:nvGraphicFramePr>
         <p:xfrm>
-          <a:off x="3087150" y="2676090"/>
-          <a:ext cx="6017700" cy="2650410"/>
+          <a:off x="996287" y="2784145"/>
+          <a:ext cx="8911988" cy="2153848"/>
         </p:xfrm>
         <a:graphic>
           <a:graphicData uri="http://schemas.openxmlformats.org/drawingml/2006/table">
             <a:tbl>
-              <a:tblPr firstRow="1" firstCol="1" bandRow="1">
+              <a:tblPr firstRow="1" bandRow="1">
                 <a:tableStyleId>{5C22544A-7EE6-4342-B048-85BDC9FD1C3A}</a:tableStyleId>
               </a:tblPr>
               <a:tblGrid>
-                <a:gridCol w="2188255">
+                <a:gridCol w="966737">
                   <a:extLst>
                     <a:ext uri="{9D8B030D-6E8A-4147-A177-3AD203B41FA5}">
-                      <a16:colId xmlns:a16="http://schemas.microsoft.com/office/drawing/2014/main" val="749136729"/>
+                      <a16:colId xmlns:a16="http://schemas.microsoft.com/office/drawing/2014/main" val="20000"/>
                     </a:ext>
                   </a:extLst>
                 </a:gridCol>
-                <a:gridCol w="3829445">
+                <a:gridCol w="815661">
                   <a:extLst>
                     <a:ext uri="{9D8B030D-6E8A-4147-A177-3AD203B41FA5}">
-                      <a16:colId xmlns:a16="http://schemas.microsoft.com/office/drawing/2014/main" val="1593156259"/>
+                      <a16:colId xmlns:a16="http://schemas.microsoft.com/office/drawing/2014/main" val="20001"/>
+                    </a:ext>
+                  </a:extLst>
+                </a:gridCol>
+                <a:gridCol w="7129590">
+                  <a:extLst>
+                    <a:ext uri="{9D8B030D-6E8A-4147-A177-3AD203B41FA5}">
+                      <a16:colId xmlns:a16="http://schemas.microsoft.com/office/drawing/2014/main" val="20002"/>
                     </a:ext>
                   </a:extLst>
                 </a:gridCol>
               </a:tblGrid>
-              <a:tr h="441735">
+              <a:tr h="645647">
                 <a:tc>
                   <a:txBody>
                     <a:bodyPr/>
                     <a:lstStyle/>
                     <a:p>
-                      <a:pPr marL="0" marR="0">
-                        <a:spcBef>
-                          <a:spcPts val="0"/>
-                        </a:spcBef>
-                        <a:spcAft>
-                          <a:spcPts val="0"/>
-                        </a:spcAft>
-                      </a:pPr>
                       <a:r>
-                        <a:rPr lang="en-US" sz="2400" kern="100">
-                          <a:effectLst/>
-                        </a:rPr>
-                        <a:t>TID</a:t>
+                        <a:rPr lang="en-US" altLang="zh-TW" dirty="0" err="1"/>
+                        <a:t>Cust_ID</a:t>
                       </a:r>
-                      <a:endParaRPr lang="zh-TW" sz="2400" kern="100">
-                        <a:effectLst/>
-                        <a:latin typeface="Times New Roman" panose="02020603050405020304" pitchFamily="18" charset="0"/>
-                        <a:ea typeface="新細明體" panose="02020500000000000000" pitchFamily="18" charset="-120"/>
-                      </a:endParaRPr>
+                      <a:endParaRPr lang="zh-TW" altLang="en-US" dirty="0"/>
                     </a:p>
                   </a:txBody>
-                  <a:tcPr marL="68580" marR="68580" marT="0" marB="0"/>
+                  <a:tcPr/>
                 </a:tc>
                 <a:tc>
                   <a:txBody>
                     <a:bodyPr/>
                     <a:lstStyle/>
                     <a:p>
-                      <a:pPr marL="0" marR="0">
-                        <a:spcBef>
-                          <a:spcPts val="0"/>
-                        </a:spcBef>
-                        <a:spcAft>
-                          <a:spcPts val="0"/>
-                        </a:spcAft>
-                      </a:pPr>
                       <a:r>
-                        <a:rPr lang="en-US" sz="2400" kern="100">
-                          <a:effectLst/>
-                        </a:rPr>
-                        <a:t>Items bought</a:t>
+                        <a:rPr lang="en-US" altLang="zh-TW" dirty="0"/>
+                        <a:t>TID</a:t>
                       </a:r>
-                      <a:endParaRPr lang="zh-TW" sz="2400" kern="100">
-                        <a:effectLst/>
-                        <a:latin typeface="Times New Roman" panose="02020603050405020304" pitchFamily="18" charset="0"/>
-                        <a:ea typeface="新細明體" panose="02020500000000000000" pitchFamily="18" charset="-120"/>
-                      </a:endParaRPr>
+                      <a:endParaRPr lang="zh-TW" altLang="en-US" dirty="0"/>
                     </a:p>
                   </a:txBody>
-                  <a:tcPr marL="68580" marR="68580" marT="0" marB="0"/>
-                </a:tc>
-                <a:extLst>
-                  <a:ext uri="{0D108BD9-81ED-4DB2-BD59-A6C34878D82A}">
-                    <a16:rowId xmlns:a16="http://schemas.microsoft.com/office/drawing/2014/main" val="2113603622"/>
-                  </a:ext>
-                </a:extLst>
-              </a:tr>
-              <a:tr h="441735">
-                <a:tc>
-                  <a:txBody>
-                    <a:bodyPr/>
-                    <a:lstStyle/>
-                    <a:p>
-                      <a:pPr marL="0" marR="0">
-                        <a:spcBef>
-                          <a:spcPts val="0"/>
-                        </a:spcBef>
-                        <a:spcAft>
-                          <a:spcPts val="0"/>
-                        </a:spcAft>
-                      </a:pPr>
-                      <a:r>
-                        <a:rPr lang="en-US" sz="2400" kern="100">
-                          <a:effectLst/>
-                        </a:rPr>
-                        <a:t>T100</a:t>
-                      </a:r>
-                      <a:endParaRPr lang="zh-TW" sz="2400" kern="100">
-                        <a:effectLst/>
-                        <a:latin typeface="Times New Roman" panose="02020603050405020304" pitchFamily="18" charset="0"/>
-                        <a:ea typeface="新細明體" panose="02020500000000000000" pitchFamily="18" charset="-120"/>
-                      </a:endParaRPr>
-                    </a:p>
-                  </a:txBody>
-                  <a:tcPr marL="68580" marR="68580" marT="0" marB="0"/>
+                  <a:tcPr/>
                 </a:tc>
                 <a:tc>
                   <a:txBody>
                     <a:bodyPr/>
                     <a:lstStyle/>
                     <a:p>
-                      <a:pPr marL="0" marR="0">
-                        <a:spcBef>
-                          <a:spcPts val="0"/>
-                        </a:spcBef>
-                        <a:spcAft>
-                          <a:spcPts val="0"/>
-                        </a:spcAft>
-                      </a:pPr>
                       <a:r>
-                        <a:rPr lang="en-US" sz="2400" kern="100">
-                          <a:effectLst/>
-                        </a:rPr>
-                        <a:t>{M, O, N, K, E, Y}</a:t>
+                        <a:rPr lang="en-US" altLang="zh-TW" dirty="0" err="1"/>
+                        <a:t>Items_bought</a:t>
                       </a:r>
-                      <a:endParaRPr lang="zh-TW" sz="2400" kern="100">
-                        <a:effectLst/>
-                        <a:latin typeface="Times New Roman" panose="02020603050405020304" pitchFamily="18" charset="0"/>
-                        <a:ea typeface="新細明體" panose="02020500000000000000" pitchFamily="18" charset="-120"/>
-                      </a:endParaRPr>
+                      <a:r>
+                        <a:rPr lang="en-US" altLang="zh-TW" dirty="0"/>
+                        <a:t> (in the</a:t>
+                      </a:r>
+                      <a:r>
+                        <a:rPr lang="en-US" altLang="zh-TW" baseline="0" dirty="0"/>
+                        <a:t> form of brand-</a:t>
+                      </a:r>
+                      <a:r>
+                        <a:rPr lang="en-US" altLang="zh-TW" baseline="0" dirty="0" err="1"/>
+                        <a:t>item_category</a:t>
+                      </a:r>
+                      <a:r>
+                        <a:rPr lang="en-US" altLang="zh-TW" baseline="0" dirty="0"/>
+                        <a:t>)</a:t>
+                      </a:r>
+                      <a:endParaRPr lang="zh-TW" altLang="en-US" dirty="0"/>
                     </a:p>
                   </a:txBody>
-                  <a:tcPr marL="68580" marR="68580" marT="0" marB="0"/>
+                  <a:tcPr/>
                 </a:tc>
                 <a:extLst>
                   <a:ext uri="{0D108BD9-81ED-4DB2-BD59-A6C34878D82A}">
-                    <a16:rowId xmlns:a16="http://schemas.microsoft.com/office/drawing/2014/main" val="1921179941"/>
+                    <a16:rowId xmlns:a16="http://schemas.microsoft.com/office/drawing/2014/main" val="10000"/>
                   </a:ext>
                 </a:extLst>
               </a:tr>
-              <a:tr h="441735">
+              <a:tr h="374065">
                 <a:tc>
                   <a:txBody>
                     <a:bodyPr/>
                     <a:lstStyle/>
                     <a:p>
-                      <a:pPr marL="0" marR="0">
-                        <a:spcBef>
-                          <a:spcPts val="0"/>
-                        </a:spcBef>
-                        <a:spcAft>
-                          <a:spcPts val="0"/>
-                        </a:spcAft>
-                      </a:pPr>
                       <a:r>
-                        <a:rPr lang="en-US" sz="2400" kern="100">
-                          <a:effectLst/>
-                        </a:rPr>
-                        <a:t>T200</a:t>
+                        <a:rPr lang="en-US" altLang="zh-TW" dirty="0"/>
+                        <a:t>01</a:t>
                       </a:r>
-                      <a:endParaRPr lang="zh-TW" sz="2400" kern="100">
-                        <a:effectLst/>
-                        <a:latin typeface="Times New Roman" panose="02020603050405020304" pitchFamily="18" charset="0"/>
-                        <a:ea typeface="新細明體" panose="02020500000000000000" pitchFamily="18" charset="-120"/>
-                      </a:endParaRPr>
+                      <a:endParaRPr lang="zh-TW" altLang="en-US" dirty="0"/>
                     </a:p>
                   </a:txBody>
-                  <a:tcPr marL="68580" marR="68580" marT="0" marB="0"/>
+                  <a:tcPr/>
                 </a:tc>
                 <a:tc>
                   <a:txBody>
                     <a:bodyPr/>
                     <a:lstStyle/>
                     <a:p>
-                      <a:pPr marL="0" marR="0">
-                        <a:spcBef>
-                          <a:spcPts val="0"/>
-                        </a:spcBef>
-                        <a:spcAft>
-                          <a:spcPts val="0"/>
-                        </a:spcAft>
-                      </a:pPr>
                       <a:r>
-                        <a:rPr lang="en-US" sz="2400" kern="100">
-                          <a:effectLst/>
-                        </a:rPr>
-                        <a:t>{D, O, N, K, E, Y}</a:t>
+                        <a:rPr lang="en-US" altLang="zh-TW" dirty="0"/>
+                        <a:t>T100</a:t>
                       </a:r>
-                      <a:endParaRPr lang="zh-TW" sz="2400" kern="100">
-                        <a:effectLst/>
-                        <a:latin typeface="Times New Roman" panose="02020603050405020304" pitchFamily="18" charset="0"/>
-                        <a:ea typeface="新細明體" panose="02020500000000000000" pitchFamily="18" charset="-120"/>
-                      </a:endParaRPr>
+                      <a:endParaRPr lang="zh-TW" altLang="en-US" dirty="0"/>
                     </a:p>
                   </a:txBody>
-                  <a:tcPr marL="68580" marR="68580" marT="0" marB="0"/>
-                </a:tc>
-                <a:extLst>
-                  <a:ext uri="{0D108BD9-81ED-4DB2-BD59-A6C34878D82A}">
-                    <a16:rowId xmlns:a16="http://schemas.microsoft.com/office/drawing/2014/main" val="3980729379"/>
-                  </a:ext>
-                </a:extLst>
-              </a:tr>
-              <a:tr h="441735">
-                <a:tc>
-                  <a:txBody>
-                    <a:bodyPr/>
-                    <a:lstStyle/>
-                    <a:p>
-                      <a:pPr marL="0" marR="0">
-                        <a:spcBef>
-                          <a:spcPts val="0"/>
-                        </a:spcBef>
-                        <a:spcAft>
-                          <a:spcPts val="0"/>
-                        </a:spcAft>
-                      </a:pPr>
-                      <a:r>
-                        <a:rPr lang="en-US" sz="2400" kern="100">
-                          <a:effectLst/>
-                        </a:rPr>
-                        <a:t>T300</a:t>
-                      </a:r>
-                      <a:endParaRPr lang="zh-TW" sz="2400" kern="100">
-                        <a:effectLst/>
-                        <a:latin typeface="Times New Roman" panose="02020603050405020304" pitchFamily="18" charset="0"/>
-                        <a:ea typeface="新細明體" panose="02020500000000000000" pitchFamily="18" charset="-120"/>
-                      </a:endParaRPr>
-                    </a:p>
-                  </a:txBody>
-                  <a:tcPr marL="68580" marR="68580" marT="0" marB="0"/>
+                  <a:tcPr/>
                 </a:tc>
                 <a:tc>
                   <a:txBody>
                     <a:bodyPr/>
                     <a:lstStyle/>
                     <a:p>
-                      <a:pPr marL="0" marR="0">
-                        <a:spcBef>
-                          <a:spcPts val="0"/>
-                        </a:spcBef>
-                        <a:spcAft>
-                          <a:spcPts val="0"/>
-                        </a:spcAft>
-                      </a:pPr>
                       <a:r>
-                        <a:rPr lang="en-US" sz="2400" kern="100">
-                          <a:effectLst/>
-                        </a:rPr>
-                        <a:t>{M, A, K, E}</a:t>
+                        <a:rPr lang="en-US" altLang="zh-TW" dirty="0"/>
+                        <a:t>{King’s-Crab, Sunset-Milk, </a:t>
                       </a:r>
-                      <a:endParaRPr lang="zh-TW" sz="2400" kern="100">
-                        <a:effectLst/>
-                        <a:latin typeface="Times New Roman" panose="02020603050405020304" pitchFamily="18" charset="0"/>
-                        <a:ea typeface="新細明體" panose="02020500000000000000" pitchFamily="18" charset="-120"/>
-                      </a:endParaRPr>
+                      <a:r>
+                        <a:rPr lang="en-US" altLang="zh-TW" dirty="0" err="1"/>
+                        <a:t>Dairyland</a:t>
+                      </a:r>
+                      <a:r>
+                        <a:rPr lang="en-US" altLang="zh-TW" dirty="0"/>
+                        <a:t>-Cheese,</a:t>
+                      </a:r>
+                      <a:r>
+                        <a:rPr lang="en-US" altLang="zh-TW" baseline="0" dirty="0"/>
+                        <a:t> Best-Bread}</a:t>
+                      </a:r>
+                      <a:endParaRPr lang="zh-TW" altLang="en-US" dirty="0"/>
                     </a:p>
                   </a:txBody>
-                  <a:tcPr marL="68580" marR="68580" marT="0" marB="0"/>
+                  <a:tcPr/>
                 </a:tc>
                 <a:extLst>
                   <a:ext uri="{0D108BD9-81ED-4DB2-BD59-A6C34878D82A}">
-                    <a16:rowId xmlns:a16="http://schemas.microsoft.com/office/drawing/2014/main" val="3301575496"/>
+                    <a16:rowId xmlns:a16="http://schemas.microsoft.com/office/drawing/2014/main" val="10001"/>
                   </a:ext>
                 </a:extLst>
               </a:tr>
-              <a:tr h="441735">
+              <a:tr h="386006">
                 <a:tc>
                   <a:txBody>
                     <a:bodyPr/>
                     <a:lstStyle/>
                     <a:p>
-                      <a:pPr marL="0" marR="0">
-                        <a:spcBef>
-                          <a:spcPts val="0"/>
-                        </a:spcBef>
-                        <a:spcAft>
-                          <a:spcPts val="0"/>
-                        </a:spcAft>
-                      </a:pPr>
                       <a:r>
-                        <a:rPr lang="en-US" sz="2400" kern="100">
-                          <a:effectLst/>
-                        </a:rPr>
-                        <a:t>T400</a:t>
+                        <a:rPr lang="en-US" altLang="zh-TW" dirty="0"/>
+                        <a:t>02</a:t>
                       </a:r>
-                      <a:endParaRPr lang="zh-TW" sz="2400" kern="100">
-                        <a:effectLst/>
-                        <a:latin typeface="Times New Roman" panose="02020603050405020304" pitchFamily="18" charset="0"/>
-                        <a:ea typeface="新細明體" panose="02020500000000000000" pitchFamily="18" charset="-120"/>
-                      </a:endParaRPr>
+                      <a:endParaRPr lang="zh-TW" altLang="en-US" dirty="0"/>
                     </a:p>
                   </a:txBody>
-                  <a:tcPr marL="68580" marR="68580" marT="0" marB="0"/>
+                  <a:tcPr/>
                 </a:tc>
                 <a:tc>
                   <a:txBody>
                     <a:bodyPr/>
                     <a:lstStyle/>
                     <a:p>
-                      <a:pPr marL="0" marR="0">
-                        <a:spcBef>
-                          <a:spcPts val="0"/>
-                        </a:spcBef>
-                        <a:spcAft>
-                          <a:spcPts val="0"/>
-                        </a:spcAft>
-                      </a:pPr>
                       <a:r>
-                        <a:rPr lang="en-US" sz="2400" kern="100">
-                          <a:effectLst/>
-                        </a:rPr>
-                        <a:t>{M, U, C, K, Y}</a:t>
+                        <a:rPr lang="en-US" altLang="zh-TW" dirty="0"/>
+                        <a:t>T200</a:t>
                       </a:r>
-                      <a:endParaRPr lang="zh-TW" sz="2400" kern="100">
-                        <a:effectLst/>
-                        <a:latin typeface="Times New Roman" panose="02020603050405020304" pitchFamily="18" charset="0"/>
-                        <a:ea typeface="新細明體" panose="02020500000000000000" pitchFamily="18" charset="-120"/>
-                      </a:endParaRPr>
+                      <a:endParaRPr lang="zh-TW" altLang="en-US" dirty="0"/>
                     </a:p>
                   </a:txBody>
-                  <a:tcPr marL="68580" marR="68580" marT="0" marB="0"/>
-                </a:tc>
-                <a:extLst>
-                  <a:ext uri="{0D108BD9-81ED-4DB2-BD59-A6C34878D82A}">
-                    <a16:rowId xmlns:a16="http://schemas.microsoft.com/office/drawing/2014/main" val="3641902585"/>
-                  </a:ext>
-                </a:extLst>
-              </a:tr>
-              <a:tr h="441735">
-                <a:tc>
-                  <a:txBody>
-                    <a:bodyPr/>
-                    <a:lstStyle/>
-                    <a:p>
-                      <a:pPr marL="0" marR="0">
-                        <a:spcBef>
-                          <a:spcPts val="0"/>
-                        </a:spcBef>
-                        <a:spcAft>
-                          <a:spcPts val="0"/>
-                        </a:spcAft>
-                      </a:pPr>
-                      <a:r>
-                        <a:rPr lang="en-US" sz="2400" kern="100">
-                          <a:effectLst/>
-                        </a:rPr>
-                        <a:t>T500</a:t>
-                      </a:r>
-                      <a:endParaRPr lang="zh-TW" sz="2400" kern="100">
-                        <a:effectLst/>
-                        <a:latin typeface="Times New Roman" panose="02020603050405020304" pitchFamily="18" charset="0"/>
-                        <a:ea typeface="新細明體" panose="02020500000000000000" pitchFamily="18" charset="-120"/>
-                      </a:endParaRPr>
-                    </a:p>
-                  </a:txBody>
-                  <a:tcPr marL="68580" marR="68580" marT="0" marB="0"/>
+                  <a:tcPr/>
                 </a:tc>
                 <a:tc>
                   <a:txBody>
                     <a:bodyPr/>
                     <a:lstStyle/>
                     <a:p>
-                      <a:pPr marL="0" marR="0">
-                        <a:spcBef>
-                          <a:spcPts val="0"/>
-                        </a:spcBef>
-                        <a:spcAft>
-                          <a:spcPts val="0"/>
-                        </a:spcAft>
-                      </a:pPr>
                       <a:r>
-                        <a:rPr lang="en-US" sz="2400" kern="100" dirty="0">
-                          <a:effectLst/>
-                        </a:rPr>
-                        <a:t>{C, O, O, K, I, E}</a:t>
+                        <a:rPr lang="en-US" altLang="zh-TW" dirty="0"/>
+                        <a:t>{Best-Cheese, </a:t>
                       </a:r>
-                      <a:endParaRPr lang="zh-TW" sz="2400" kern="100" dirty="0">
-                        <a:effectLst/>
-                        <a:latin typeface="Times New Roman" panose="02020603050405020304" pitchFamily="18" charset="0"/>
-                        <a:ea typeface="新細明體" panose="02020500000000000000" pitchFamily="18" charset="-120"/>
-                      </a:endParaRPr>
+                      <a:r>
+                        <a:rPr lang="en-US" altLang="zh-TW" dirty="0" err="1"/>
+                        <a:t>Dairyland</a:t>
+                      </a:r>
+                      <a:r>
+                        <a:rPr lang="en-US" altLang="zh-TW" dirty="0"/>
+                        <a:t>-Milk,</a:t>
+                      </a:r>
+                      <a:r>
+                        <a:rPr lang="en-US" altLang="zh-TW" baseline="0" dirty="0"/>
+                        <a:t> </a:t>
+                      </a:r>
+                      <a:r>
+                        <a:rPr lang="en-US" altLang="zh-TW" baseline="0" dirty="0" err="1"/>
+                        <a:t>Goldenfarm</a:t>
+                      </a:r>
+                      <a:r>
+                        <a:rPr lang="en-US" altLang="zh-TW" baseline="0" dirty="0"/>
+                        <a:t>-Apple, Tasty-Pie, Wonder-Bread}</a:t>
+                      </a:r>
+                      <a:endParaRPr lang="zh-TW" altLang="en-US" dirty="0"/>
                     </a:p>
                   </a:txBody>
-                  <a:tcPr marL="68580" marR="68580" marT="0" marB="0"/>
+                  <a:tcPr/>
                 </a:tc>
                 <a:extLst>
                   <a:ext uri="{0D108BD9-81ED-4DB2-BD59-A6C34878D82A}">
-                    <a16:rowId xmlns:a16="http://schemas.microsoft.com/office/drawing/2014/main" val="2495610131"/>
+                    <a16:rowId xmlns:a16="http://schemas.microsoft.com/office/drawing/2014/main" val="10002"/>
+                  </a:ext>
+                </a:extLst>
+              </a:tr>
+              <a:tr h="374065">
+                <a:tc>
+                  <a:txBody>
+                    <a:bodyPr/>
+                    <a:lstStyle/>
+                    <a:p>
+                      <a:r>
+                        <a:rPr lang="en-US" altLang="zh-TW" dirty="0"/>
+                        <a:t>01</a:t>
+                      </a:r>
+                      <a:endParaRPr lang="zh-TW" altLang="en-US" dirty="0"/>
+                    </a:p>
+                  </a:txBody>
+                  <a:tcPr/>
+                </a:tc>
+                <a:tc>
+                  <a:txBody>
+                    <a:bodyPr/>
+                    <a:lstStyle/>
+                    <a:p>
+                      <a:r>
+                        <a:rPr lang="en-US" altLang="zh-TW" dirty="0"/>
+                        <a:t>T300</a:t>
+                      </a:r>
+                      <a:endParaRPr lang="zh-TW" altLang="en-US" dirty="0"/>
+                    </a:p>
+                  </a:txBody>
+                  <a:tcPr/>
+                </a:tc>
+                <a:tc>
+                  <a:txBody>
+                    <a:bodyPr/>
+                    <a:lstStyle/>
+                    <a:p>
+                      <a:r>
+                        <a:rPr lang="en-US" altLang="zh-TW" dirty="0"/>
+                        <a:t>{Westcoast-Apple, </a:t>
+                      </a:r>
+                      <a:r>
+                        <a:rPr lang="en-US" altLang="zh-TW" dirty="0" err="1"/>
+                        <a:t>Dairyland</a:t>
+                      </a:r>
+                      <a:r>
+                        <a:rPr lang="en-US" altLang="zh-TW" dirty="0"/>
+                        <a:t>-Milk,</a:t>
+                      </a:r>
+                      <a:r>
+                        <a:rPr lang="en-US" altLang="zh-TW" baseline="0" dirty="0"/>
+                        <a:t> Wonder-Bread, Tasty-Pie}</a:t>
+                      </a:r>
+                      <a:endParaRPr lang="zh-TW" altLang="en-US" dirty="0"/>
+                    </a:p>
+                  </a:txBody>
+                  <a:tcPr/>
+                </a:tc>
+                <a:extLst>
+                  <a:ext uri="{0D108BD9-81ED-4DB2-BD59-A6C34878D82A}">
+                    <a16:rowId xmlns:a16="http://schemas.microsoft.com/office/drawing/2014/main" val="10003"/>
+                  </a:ext>
+                </a:extLst>
+              </a:tr>
+              <a:tr h="374065">
+                <a:tc>
+                  <a:txBody>
+                    <a:bodyPr/>
+                    <a:lstStyle/>
+                    <a:p>
+                      <a:r>
+                        <a:rPr lang="en-US" altLang="zh-TW" dirty="0"/>
+                        <a:t>03</a:t>
+                      </a:r>
+                      <a:endParaRPr lang="zh-TW" altLang="en-US" dirty="0"/>
+                    </a:p>
+                  </a:txBody>
+                  <a:tcPr/>
+                </a:tc>
+                <a:tc>
+                  <a:txBody>
+                    <a:bodyPr/>
+                    <a:lstStyle/>
+                    <a:p>
+                      <a:r>
+                        <a:rPr lang="en-US" altLang="zh-TW" dirty="0"/>
+                        <a:t>T400</a:t>
+                      </a:r>
+                      <a:endParaRPr lang="zh-TW" altLang="en-US" dirty="0"/>
+                    </a:p>
+                  </a:txBody>
+                  <a:tcPr/>
+                </a:tc>
+                <a:tc>
+                  <a:txBody>
+                    <a:bodyPr/>
+                    <a:lstStyle/>
+                    <a:p>
+                      <a:r>
+                        <a:rPr lang="en-US" altLang="zh-TW" dirty="0"/>
+                        <a:t>{Wonder-Bread, Sunset-Milk, </a:t>
+                      </a:r>
+                      <a:r>
+                        <a:rPr lang="en-US" altLang="zh-TW" dirty="0" err="1"/>
+                        <a:t>Dairyland</a:t>
+                      </a:r>
+                      <a:r>
+                        <a:rPr lang="en-US" altLang="zh-TW" dirty="0"/>
+                        <a:t>-Cheese}</a:t>
+                      </a:r>
+                      <a:endParaRPr lang="zh-TW" altLang="en-US" dirty="0"/>
+                    </a:p>
+                  </a:txBody>
+                  <a:tcPr/>
+                </a:tc>
+                <a:extLst>
+                  <a:ext uri="{0D108BD9-81ED-4DB2-BD59-A6C34878D82A}">
+                    <a16:rowId xmlns:a16="http://schemas.microsoft.com/office/drawing/2014/main" val="10004"/>
                   </a:ext>
                 </a:extLst>
               </a:tr>
@@ -4606,7 +4537,7 @@
     </p:spTree>
     <p:extLst>
       <p:ext uri="{BB962C8B-B14F-4D97-AF65-F5344CB8AC3E}">
-        <p14:creationId xmlns:p14="http://schemas.microsoft.com/office/powerpoint/2010/main" val="2768309173"/>
+        <p14:creationId xmlns:p14="http://schemas.microsoft.com/office/powerpoint/2010/main" val="1779879985"/>
       </p:ext>
     </p:extLst>
   </p:cSld>
@@ -4669,152 +4600,36 @@
           </a:bodyPr>
           <a:lstStyle/>
           <a:p>
-            <a:r>
-              <a:rPr lang="en-US" altLang="zh-TW" dirty="0" smtClean="0"/>
-              <a:t>(a</a:t>
-            </a:r>
-            <a:r>
-              <a:rPr lang="en-US" altLang="zh-TW" dirty="0"/>
-              <a:t>) (15pt) </a:t>
-            </a:r>
-            <a:r>
-              <a:rPr lang="en-US" altLang="zh-TW" dirty="0" smtClean="0"/>
-              <a:t>Find </a:t>
-            </a:r>
-            <a:r>
-              <a:rPr lang="en-US" altLang="zh-TW" dirty="0"/>
-              <a:t>all frequent </a:t>
+            <a:pPr lvl="1"/>
+            <a:r>
+              <a:rPr lang="en-US" altLang="zh-TW" dirty="0"/>
+              <a:t>(a) (15pt) At the granularity of </a:t>
             </a:r>
             <a:r>
               <a:rPr lang="en-US" altLang="zh-TW" dirty="0" err="1"/>
-              <a:t>itemsets</a:t>
-            </a:r>
-            <a:r>
-              <a:rPr lang="en-US" altLang="zh-TW" dirty="0"/>
-              <a:t> using </a:t>
+              <a:t>item_category</a:t>
+            </a:r>
+            <a:r>
+              <a:rPr lang="en-US" altLang="zh-TW" dirty="0"/>
+              <a:t>, (e.g. </a:t>
             </a:r>
             <a:r>
               <a:rPr lang="en-US" altLang="zh-TW" dirty="0" err="1"/>
-              <a:t>Apriori</a:t>
-            </a:r>
-            <a:r>
-              <a:rPr lang="en-US" altLang="zh-TW" dirty="0"/>
-              <a:t> and FP-growth, respectively. </a:t>
-            </a:r>
-            <a:r>
-              <a:rPr lang="en-US" altLang="zh-TW" dirty="0" smtClean="0"/>
-              <a:t>Compare the </a:t>
-            </a:r>
-            <a:r>
-              <a:rPr lang="en-US" altLang="zh-TW" dirty="0"/>
-              <a:t>efficiency of the two mining processes</a:t>
-            </a:r>
-            <a:r>
-              <a:rPr lang="en-US" altLang="zh-TW" dirty="0" smtClean="0"/>
-              <a:t>.</a:t>
-            </a:r>
-            <a:endParaRPr lang="en-US" altLang="zh-TW" dirty="0" smtClean="0">
-              <a:sym typeface="Symbol" panose="05050102010706020507" pitchFamily="18" charset="2"/>
-            </a:endParaRPr>
-          </a:p>
-          <a:p>
-            <a:r>
-              <a:rPr lang="en-US" altLang="zh-TW" dirty="0" smtClean="0"/>
-              <a:t>(b) </a:t>
-            </a:r>
-            <a:r>
-              <a:rPr lang="en-US" altLang="zh-TW" dirty="0"/>
-              <a:t>(15pt) List all the </a:t>
-            </a:r>
-            <a:r>
-              <a:rPr lang="en-US" altLang="zh-TW" i="1" dirty="0"/>
-              <a:t>strong </a:t>
-            </a:r>
-            <a:r>
-              <a:rPr lang="en-US" altLang="zh-TW" dirty="0"/>
-              <a:t>association rules (with support </a:t>
-            </a:r>
-            <a:r>
-              <a:rPr lang="en-US" altLang="zh-TW" i="1" dirty="0"/>
-              <a:t>s </a:t>
-            </a:r>
-            <a:r>
-              <a:rPr lang="en-US" altLang="zh-TW" dirty="0"/>
-              <a:t>and confidence </a:t>
-            </a:r>
-            <a:r>
-              <a:rPr lang="en-US" altLang="zh-TW" i="1" dirty="0"/>
-              <a:t>c</a:t>
-            </a:r>
-            <a:r>
-              <a:rPr lang="en-US" altLang="zh-TW" dirty="0"/>
-              <a:t>) </a:t>
-            </a:r>
-            <a:r>
-              <a:rPr lang="en-US" altLang="zh-TW" dirty="0" smtClean="0"/>
-              <a:t>matching the </a:t>
-            </a:r>
-            <a:r>
-              <a:rPr lang="en-US" altLang="zh-TW" dirty="0"/>
-              <a:t>following </a:t>
-            </a:r>
-            <a:r>
-              <a:rPr lang="en-US" altLang="zh-TW" dirty="0" err="1"/>
-              <a:t>metarule</a:t>
-            </a:r>
-            <a:r>
-              <a:rPr lang="en-US" altLang="zh-TW" dirty="0"/>
-              <a:t>, where </a:t>
-            </a:r>
-            <a:r>
-              <a:rPr lang="en-US" altLang="zh-TW" i="1" dirty="0"/>
-              <a:t>X </a:t>
-            </a:r>
-            <a:r>
-              <a:rPr lang="en-US" altLang="zh-TW" dirty="0"/>
-              <a:t>is a variable representing </a:t>
-            </a:r>
-            <a:r>
-              <a:rPr lang="en-US" altLang="zh-TW" dirty="0" smtClean="0"/>
-              <a:t>customers </a:t>
-            </a:r>
-            <a:r>
-              <a:rPr lang="en-US" altLang="zh-TW" dirty="0"/>
-              <a:t>and </a:t>
-            </a:r>
-            <a:r>
-              <a:rPr lang="en-US" altLang="zh-TW" i="1" dirty="0" err="1" smtClean="0"/>
-              <a:t>item</a:t>
-            </a:r>
-            <a:r>
-              <a:rPr lang="en-US" altLang="zh-TW" i="1" baseline="-25000" dirty="0" err="1" smtClean="0"/>
-              <a:t>i</a:t>
-            </a:r>
-            <a:r>
-              <a:rPr lang="en-US" altLang="zh-TW" i="1" dirty="0" smtClean="0"/>
-              <a:t> </a:t>
-            </a:r>
-            <a:r>
-              <a:rPr lang="en-US" altLang="zh-TW" dirty="0"/>
-              <a:t>denotes variables representing items (e.g., </a:t>
-            </a:r>
-            <a:r>
-              <a:rPr lang="en-US" altLang="zh-TW" i="1" dirty="0"/>
-              <a:t>“A,” “B,”</a:t>
-            </a:r>
-            <a:r>
-              <a:rPr lang="en-US" altLang="zh-TW" dirty="0"/>
-              <a:t>):</a:t>
+              <a:t>item_i</a:t>
+            </a:r>
+            <a:r>
+              <a:rPr lang="en-US" altLang="zh-TW" dirty="0"/>
+              <a:t> could be ”Milk”), for the rule template,</a:t>
             </a:r>
             <a:br>
               <a:rPr lang="en-US" altLang="zh-TW" dirty="0"/>
             </a:br>
             <a:r>
               <a:rPr lang="en-US" altLang="zh-TW" dirty="0"/>
-              <a:t> </a:t>
-            </a:r>
-            <a:r>
-              <a:rPr lang="en-US" altLang="zh-TW" dirty="0" smtClean="0">
+              <a:t>	 </a:t>
+            </a:r>
+            <a:r>
+              <a:rPr lang="en-US" altLang="zh-TW" dirty="0">
                 <a:sym typeface="Symbol" panose="05050102010706020507" pitchFamily="18" charset="2"/>
               </a:rPr>
               <a:t> </a:t>
@@ -4823,79 +4638,25 @@
               <a:rPr lang="en-US" altLang="zh-TW" dirty="0" err="1">
                 <a:sym typeface="Symbol" panose="05050102010706020507" pitchFamily="18" charset="2"/>
               </a:rPr>
-              <a:t>X</a:t>
-            </a:r>
-            <a:r>
-              <a:rPr lang="en-US" altLang="zh-TW" dirty="0" err="1" smtClean="0">
-                <a:sym typeface="Symbol" panose="05050102010706020507" pitchFamily="18" charset="2"/>
-              </a:rPr>
-              <a:t>transactions</a:t>
-            </a:r>
-            <a:r>
-              <a:rPr lang="en-US" altLang="zh-TW" dirty="0" smtClean="0">
-                <a:sym typeface="Symbol" panose="05050102010706020507" pitchFamily="18" charset="2"/>
-              </a:rPr>
-              <a:t>, </a:t>
+              <a:t>Xtransaction</a:t>
             </a:r>
             <a:r>
               <a:rPr lang="en-US" altLang="zh-TW" dirty="0">
                 <a:sym typeface="Symbol" panose="05050102010706020507" pitchFamily="18" charset="2"/>
               </a:rPr>
-              <a:t>buys(X,item</a:t>
-            </a:r>
-            <a:r>
-              <a:rPr lang="en-US" altLang="zh-TW" baseline="-25000" dirty="0">
+              <a:t>, buys(X,item1)buys(X,item2)=&gt; buys(X,item3)  [</a:t>
+            </a:r>
+            <a:r>
+              <a:rPr lang="en-US" altLang="zh-TW" dirty="0" err="1">
                 <a:sym typeface="Symbol" panose="05050102010706020507" pitchFamily="18" charset="2"/>
               </a:rPr>
-              <a:t>1</a:t>
+              <a:t>s,c</a:t>
             </a:r>
             <a:r>
               <a:rPr lang="en-US" altLang="zh-TW" dirty="0">
                 <a:sym typeface="Symbol" panose="05050102010706020507" pitchFamily="18" charset="2"/>
               </a:rPr>
-              <a:t>)buys(X,item</a:t>
-            </a:r>
-            <a:r>
-              <a:rPr lang="en-US" altLang="zh-TW" baseline="-25000" dirty="0">
-                <a:sym typeface="Symbol" panose="05050102010706020507" pitchFamily="18" charset="2"/>
-              </a:rPr>
-              <a:t>2</a:t>
-            </a:r>
-            <a:r>
-              <a:rPr lang="en-US" altLang="zh-TW" dirty="0">
-                <a:sym typeface="Symbol" panose="05050102010706020507" pitchFamily="18" charset="2"/>
-              </a:rPr>
-              <a:t>)=&gt; buys(X,item</a:t>
-            </a:r>
-            <a:r>
-              <a:rPr lang="en-US" altLang="zh-TW" baseline="-25000" dirty="0">
-                <a:sym typeface="Symbol" panose="05050102010706020507" pitchFamily="18" charset="2"/>
-              </a:rPr>
-              <a:t>3</a:t>
-            </a:r>
-            <a:r>
-              <a:rPr lang="en-US" altLang="zh-TW" dirty="0" smtClean="0">
-                <a:sym typeface="Symbol" panose="05050102010706020507" pitchFamily="18" charset="2"/>
-              </a:rPr>
-              <a:t>) [</a:t>
-            </a:r>
-            <a:r>
-              <a:rPr lang="en-US" altLang="zh-TW" i="1" dirty="0" smtClean="0">
-                <a:sym typeface="Symbol" panose="05050102010706020507" pitchFamily="18" charset="2"/>
-              </a:rPr>
-              <a:t>s, c</a:t>
-            </a:r>
-            <a:r>
-              <a:rPr lang="en-US" altLang="zh-TW" dirty="0" smtClean="0">
-                <a:sym typeface="Symbol" panose="05050102010706020507" pitchFamily="18" charset="2"/>
-              </a:rPr>
-              <a:t>]  </a:t>
-            </a:r>
-            <a:r>
-              <a:rPr lang="en-US" altLang="zh-TW" dirty="0">
-                <a:sym typeface="Symbol" panose="05050102010706020507" pitchFamily="18" charset="2"/>
-              </a:rPr>
-              <a:t/>
+              <a:t>]</a:t>
             </a:r>
             <a:br>
               <a:rPr lang="en-US" altLang="zh-TW" dirty="0">
@@ -4903,9 +4664,109 @@
               </a:rPr>
             </a:br>
             <a:r>
-              <a:rPr lang="en-US" altLang="zh-TW" dirty="0"/>
-              <a:t/>
-            </a:r>
+              <a:rPr lang="en-US" altLang="zh-TW" dirty="0">
+                <a:sym typeface="Symbol" panose="05050102010706020507" pitchFamily="18" charset="2"/>
+              </a:rPr>
+              <a:t>list the frequent k-</a:t>
+            </a:r>
+            <a:r>
+              <a:rPr lang="en-US" altLang="zh-TW" dirty="0" err="1">
+                <a:sym typeface="Symbol" panose="05050102010706020507" pitchFamily="18" charset="2"/>
+              </a:rPr>
+              <a:t>itemset</a:t>
+            </a:r>
+            <a:r>
+              <a:rPr lang="en-US" altLang="zh-TW" dirty="0">
+                <a:sym typeface="Symbol" panose="05050102010706020507" pitchFamily="18" charset="2"/>
+              </a:rPr>
+              <a:t> for the largest k, and all the strong association rules (with their support s and confidence c) containing the frequent k-</a:t>
+            </a:r>
+            <a:r>
+              <a:rPr lang="en-US" altLang="zh-TW" dirty="0" err="1">
+                <a:sym typeface="Symbol" panose="05050102010706020507" pitchFamily="18" charset="2"/>
+              </a:rPr>
+              <a:t>itemset</a:t>
+            </a:r>
+            <a:r>
+              <a:rPr lang="en-US" altLang="zh-TW" dirty="0">
+                <a:sym typeface="Symbol" panose="05050102010706020507" pitchFamily="18" charset="2"/>
+              </a:rPr>
+              <a:t> for the largest k.</a:t>
+            </a:r>
+          </a:p>
+          <a:p>
+            <a:pPr lvl="1"/>
+            <a:r>
+              <a:rPr lang="en-US" altLang="zh-TW" dirty="0"/>
+              <a:t>(b) (15pt) At the granularity of brand-</a:t>
+            </a:r>
+            <a:r>
+              <a:rPr lang="en-US" altLang="zh-TW" dirty="0" err="1"/>
+              <a:t>item_category</a:t>
+            </a:r>
+            <a:r>
+              <a:rPr lang="en-US" altLang="zh-TW" dirty="0"/>
+              <a:t>, (e.g. </a:t>
+            </a:r>
+            <a:r>
+              <a:rPr lang="en-US" altLang="zh-TW" dirty="0" err="1"/>
+              <a:t>item_i</a:t>
+            </a:r>
+            <a:r>
+              <a:rPr lang="en-US" altLang="zh-TW" dirty="0"/>
+              <a:t> could be ”Sunset-Milk”), for the rule template,</a:t>
+            </a:r>
+            <a:br>
+              <a:rPr lang="en-US" altLang="zh-TW" dirty="0"/>
+            </a:br>
+            <a:r>
+              <a:rPr lang="en-US" altLang="zh-TW" dirty="0"/>
+              <a:t> 	</a:t>
+            </a:r>
+            <a:r>
+              <a:rPr lang="en-US" altLang="zh-TW" dirty="0">
+                <a:sym typeface="Symbol" panose="05050102010706020507" pitchFamily="18" charset="2"/>
+              </a:rPr>
+              <a:t> </a:t>
+            </a:r>
+            <a:r>
+              <a:rPr lang="en-US" altLang="zh-TW" dirty="0" err="1">
+                <a:sym typeface="Symbol" panose="05050102010706020507" pitchFamily="18" charset="2"/>
+              </a:rPr>
+              <a:t>Xcustomer</a:t>
+            </a:r>
+            <a:r>
+              <a:rPr lang="en-US" altLang="zh-TW" dirty="0">
+                <a:sym typeface="Symbol" panose="05050102010706020507" pitchFamily="18" charset="2"/>
+              </a:rPr>
+              <a:t>, buys(X,item1)buys(X,item2)=&gt; buys(X,item3) </a:t>
+            </a:r>
+            <a:br>
+              <a:rPr lang="en-US" altLang="zh-TW" dirty="0">
+                <a:sym typeface="Symbol" panose="05050102010706020507" pitchFamily="18" charset="2"/>
+              </a:rPr>
+            </a:br>
+            <a:r>
+              <a:rPr lang="en-US" altLang="zh-TW" dirty="0">
+                <a:sym typeface="Symbol" panose="05050102010706020507" pitchFamily="18" charset="2"/>
+              </a:rPr>
+              <a:t>list the frequent k-</a:t>
+            </a:r>
+            <a:r>
+              <a:rPr lang="en-US" altLang="zh-TW" dirty="0" err="1">
+                <a:sym typeface="Symbol" panose="05050102010706020507" pitchFamily="18" charset="2"/>
+              </a:rPr>
+              <a:t>itemset</a:t>
+            </a:r>
+            <a:r>
+              <a:rPr lang="en-US" altLang="zh-TW" dirty="0">
+                <a:sym typeface="Symbol" panose="05050102010706020507" pitchFamily="18" charset="2"/>
+              </a:rPr>
+              <a:t> for the largest k (but do not print any rules).</a:t>
+            </a:r>
+          </a:p>
+          <a:p>
+            <a:pPr lvl="1"/>
             <a:br>
               <a:rPr lang="en-US" altLang="zh-TW" dirty="0"/>
             </a:br>
@@ -4919,20 +4780,13 @@
     </p:spTree>
     <p:extLst>
       <p:ext uri="{BB962C8B-B14F-4D97-AF65-F5344CB8AC3E}">
-        <p14:creationId xmlns:p14="http://schemas.microsoft.com/office/powerpoint/2010/main" val="1455784539"/>
+        <p14:creationId xmlns:p14="http://schemas.microsoft.com/office/powerpoint/2010/main" val="2385211989"/>
       </p:ext>
     </p:extLst>
   </p:cSld>
   <p:clrMapOvr>
     <a:masterClrMapping/>
   </p:clrMapOvr>
-  <p:timing>
-    <p:tnLst>
-      <p:par>
-        <p:cTn id="1" dur="indefinite" restart="never" nodeType="tmRoot"/>
-      </p:par>
-    </p:tnLst>
-  </p:timing>
 </p:sld>
 </file>
 
@@ -4990,85 +4844,27 @@
           <a:lstStyle/>
           <a:p>
             <a:r>
-              <a:rPr lang="en-US" altLang="zh-TW" dirty="0" smtClean="0"/>
-              <a:t>6.14: (</a:t>
-            </a:r>
-            <a:r>
-              <a:rPr lang="en-US" altLang="zh-TW" b="1" dirty="0" smtClean="0"/>
+              <a:rPr lang="en-US" altLang="zh-TW" dirty="0"/>
+              <a:t>4.14: (</a:t>
+            </a:r>
+            <a:r>
+              <a:rPr lang="en-US" altLang="zh-TW" b="1" dirty="0"/>
               <a:t>40pt</a:t>
             </a:r>
             <a:r>
               <a:rPr lang="en-US" altLang="zh-TW" dirty="0"/>
-              <a:t>) The </a:t>
-            </a:r>
-            <a:r>
-              <a:rPr lang="en-US" altLang="zh-TW" dirty="0" smtClean="0"/>
-              <a:t>following contingency table summarizes supermarket transaction data, where hot dogs refers to the transactions containing hot dogs, !(hot dogs) refers </a:t>
-            </a:r>
-            <a:r>
-              <a:rPr lang="en-US" altLang="zh-TW" dirty="0"/>
-              <a:t>to the transactions </a:t>
-            </a:r>
-            <a:r>
-              <a:rPr lang="en-US" altLang="zh-TW" dirty="0" smtClean="0"/>
-              <a:t>that do not contain </a:t>
-            </a:r>
-            <a:r>
-              <a:rPr lang="en-US" altLang="zh-TW" dirty="0"/>
-              <a:t>hot </a:t>
-            </a:r>
-            <a:r>
-              <a:rPr lang="en-US" altLang="zh-TW" dirty="0" smtClean="0"/>
-              <a:t>dogs, hamburgers refers to </a:t>
-            </a:r>
-            <a:r>
-              <a:rPr lang="en-US" altLang="zh-TW" dirty="0"/>
-              <a:t>the transactions containing </a:t>
-            </a:r>
-            <a:r>
-              <a:rPr lang="en-US" altLang="zh-TW" dirty="0" smtClean="0"/>
-              <a:t>hamburgers, !(hamburgers) </a:t>
-            </a:r>
-            <a:r>
-              <a:rPr lang="en-US" altLang="zh-TW" dirty="0"/>
-              <a:t>refers to the transactions that do </a:t>
-            </a:r>
-            <a:r>
-              <a:rPr lang="en-US" altLang="zh-TW" dirty="0" smtClean="0"/>
-              <a:t>not </a:t>
-            </a:r>
-            <a:r>
-              <a:rPr lang="en-US" altLang="zh-TW" dirty="0"/>
-              <a:t>contain </a:t>
-            </a:r>
-            <a:r>
-              <a:rPr lang="en-US" altLang="zh-TW" dirty="0" smtClean="0"/>
-              <a:t>hamburgers.</a:t>
+              <a:t>) The following contingency table summarizes supermarket transaction data, where hot dogs refers to the transactions containing hot dogs, !(hot dogs) refers to the transactions that do not contain hot dogs, hamburgers refers to the transactions containing hamburgers, !(hamburgers) refers to the transactions that do not contain hamburgers.</a:t>
             </a:r>
             <a:br>
-              <a:rPr lang="en-US" altLang="zh-TW" dirty="0" smtClean="0"/>
+              <a:rPr lang="en-US" altLang="zh-TW" dirty="0"/>
             </a:br>
-            <a:r>
-              <a:rPr lang="en-US" altLang="zh-TW" dirty="0" smtClean="0"/>
-              <a:t/>
-            </a:r>
             <a:br>
-              <a:rPr lang="en-US" altLang="zh-TW" dirty="0" smtClean="0"/>
+              <a:rPr lang="en-US" altLang="zh-TW" dirty="0"/>
             </a:br>
-            <a:r>
-              <a:rPr lang="en-US" altLang="zh-TW" dirty="0" smtClean="0"/>
-              <a:t/>
-            </a:r>
             <a:br>
-              <a:rPr lang="en-US" altLang="zh-TW" dirty="0" smtClean="0"/>
+              <a:rPr lang="en-US" altLang="zh-TW" dirty="0"/>
             </a:br>
-            <a:endParaRPr lang="en-US" altLang="zh-TW" dirty="0" smtClean="0"/>
-          </a:p>
-          <a:p>
-            <a:pPr marL="0" indent="0">
-              <a:buNone/>
-            </a:pPr>
-            <a:endParaRPr lang="en-US" altLang="zh-TW" dirty="0" smtClean="0"/>
+            <a:endParaRPr lang="en-US" altLang="zh-TW" dirty="0"/>
           </a:p>
           <a:p>
             <a:pPr marL="0" indent="0">
@@ -5077,8 +4873,14 @@
             <a:endParaRPr lang="en-US" altLang="zh-TW" dirty="0"/>
           </a:p>
           <a:p>
+            <a:pPr marL="0" indent="0">
+              <a:buNone/>
+            </a:pPr>
+            <a:endParaRPr lang="en-US" altLang="zh-TW" dirty="0"/>
+          </a:p>
+          <a:p>
             <a:pPr lvl="1"/>
-            <a:endParaRPr lang="en-US" altLang="zh-TW" dirty="0" smtClean="0"/>
+            <a:endParaRPr lang="en-US" altLang="zh-TW" dirty="0"/>
           </a:p>
           <a:p>
             <a:pPr lvl="1"/>
@@ -5157,7 +4959,7 @@
                     <a:lstStyle/>
                     <a:p>
                       <a:r>
-                        <a:rPr lang="en-US" altLang="zh-TW" dirty="0" smtClean="0"/>
+                        <a:rPr lang="en-US" altLang="zh-TW" dirty="0"/>
                         <a:t>hot dogs</a:t>
                       </a:r>
                       <a:endParaRPr lang="zh-TW" altLang="en-US" dirty="0"/>
@@ -5198,10 +5000,10 @@
                         <a:defRPr/>
                       </a:pPr>
                       <a:r>
-                        <a:rPr lang="en-US" altLang="zh-TW" dirty="0" smtClean="0"/>
+                        <a:rPr lang="en-US" altLang="zh-TW" dirty="0"/>
                         <a:t>!(hot dogs)</a:t>
                       </a:r>
-                      <a:endParaRPr lang="zh-TW" altLang="en-US" dirty="0" smtClean="0"/>
+                      <a:endParaRPr lang="zh-TW" altLang="en-US" dirty="0"/>
                     </a:p>
                     <a:p>
                       <a:endParaRPr lang="zh-TW" altLang="en-US" dirty="0"/>
@@ -5225,7 +5027,7 @@
                     <a:lstStyle/>
                     <a:p>
                       <a:r>
-                        <a:rPr lang="en-US" altLang="zh-TW" dirty="0" smtClean="0"/>
+                        <a:rPr lang="en-US" altLang="zh-TW" dirty="0"/>
                         <a:t>total</a:t>
                       </a:r>
                       <a:endParaRPr lang="zh-TW" altLang="en-US" dirty="0"/>
@@ -5246,7 +5048,7 @@
                     <a:lstStyle/>
                     <a:p>
                       <a:r>
-                        <a:rPr lang="en-US" altLang="zh-TW" dirty="0" smtClean="0"/>
+                        <a:rPr lang="en-US" altLang="zh-TW" dirty="0"/>
                         <a:t>hamburgers</a:t>
                       </a:r>
                       <a:endParaRPr lang="zh-TW" altLang="en-US" dirty="0"/>
@@ -5260,7 +5062,7 @@
                     <a:lstStyle/>
                     <a:p>
                       <a:r>
-                        <a:rPr lang="en-US" altLang="zh-TW" dirty="0" smtClean="0"/>
+                        <a:rPr lang="en-US" altLang="zh-TW" dirty="0"/>
                         <a:t>2000</a:t>
                       </a:r>
                       <a:endParaRPr lang="zh-TW" altLang="en-US" dirty="0"/>
@@ -5284,7 +5086,7 @@
                     <a:lstStyle/>
                     <a:p>
                       <a:r>
-                        <a:rPr lang="en-US" altLang="zh-TW" dirty="0" smtClean="0"/>
+                        <a:rPr lang="en-US" altLang="zh-TW" dirty="0"/>
                         <a:t>500</a:t>
                       </a:r>
                       <a:endParaRPr lang="zh-TW" altLang="en-US" dirty="0"/>
@@ -5308,7 +5110,7 @@
                     <a:lstStyle/>
                     <a:p>
                       <a:r>
-                        <a:rPr lang="en-US" altLang="zh-TW" dirty="0" smtClean="0"/>
+                        <a:rPr lang="en-US" altLang="zh-TW" dirty="0"/>
                         <a:t>2500</a:t>
                       </a:r>
                       <a:endParaRPr lang="zh-TW" altLang="en-US" dirty="0"/>
@@ -5329,7 +5131,7 @@
                     <a:lstStyle/>
                     <a:p>
                       <a:r>
-                        <a:rPr lang="en-US" altLang="zh-TW" dirty="0" smtClean="0"/>
+                        <a:rPr lang="en-US" altLang="zh-TW" dirty="0"/>
                         <a:t>!(hamburgers) </a:t>
                       </a:r>
                       <a:endParaRPr lang="zh-TW" altLang="en-US" dirty="0"/>
@@ -5343,7 +5145,7 @@
                     <a:lstStyle/>
                     <a:p>
                       <a:r>
-                        <a:rPr lang="en-US" altLang="zh-TW" dirty="0" smtClean="0"/>
+                        <a:rPr lang="en-US" altLang="zh-TW" dirty="0"/>
                         <a:t>1000</a:t>
                       </a:r>
                       <a:endParaRPr lang="zh-TW" altLang="en-US" dirty="0"/>
@@ -5367,7 +5169,7 @@
                     <a:lstStyle/>
                     <a:p>
                       <a:r>
-                        <a:rPr lang="en-US" altLang="zh-TW" dirty="0" smtClean="0"/>
+                        <a:rPr lang="en-US" altLang="zh-TW" dirty="0"/>
                         <a:t>1500</a:t>
                       </a:r>
                       <a:endParaRPr lang="zh-TW" altLang="en-US" dirty="0"/>
@@ -5391,7 +5193,7 @@
                     <a:lstStyle/>
                     <a:p>
                       <a:r>
-                        <a:rPr lang="en-US" altLang="zh-TW" dirty="0" smtClean="0"/>
+                        <a:rPr lang="en-US" altLang="zh-TW" dirty="0"/>
                         <a:t>2500</a:t>
                       </a:r>
                       <a:endParaRPr lang="zh-TW" altLang="en-US" dirty="0"/>
@@ -5412,7 +5214,7 @@
                     <a:lstStyle/>
                     <a:p>
                       <a:r>
-                        <a:rPr lang="en-US" altLang="zh-TW" dirty="0" smtClean="0"/>
+                        <a:rPr lang="en-US" altLang="zh-TW" dirty="0"/>
                         <a:t>Total</a:t>
                       </a:r>
                       <a:endParaRPr lang="zh-TW" altLang="en-US" dirty="0"/>
@@ -5426,7 +5228,7 @@
                     <a:lstStyle/>
                     <a:p>
                       <a:r>
-                        <a:rPr lang="en-US" altLang="zh-TW" dirty="0" smtClean="0"/>
+                        <a:rPr lang="en-US" altLang="zh-TW" dirty="0"/>
                         <a:t>3000</a:t>
                       </a:r>
                       <a:endParaRPr lang="zh-TW" altLang="en-US" dirty="0"/>
@@ -5450,7 +5252,7 @@
                     <a:lstStyle/>
                     <a:p>
                       <a:r>
-                        <a:rPr lang="en-US" altLang="zh-TW" dirty="0" smtClean="0"/>
+                        <a:rPr lang="en-US" altLang="zh-TW" dirty="0"/>
                         <a:t>2000</a:t>
                       </a:r>
                       <a:endParaRPr lang="zh-TW" altLang="en-US" dirty="0"/>
@@ -5474,7 +5276,7 @@
                     <a:lstStyle/>
                     <a:p>
                       <a:r>
-                        <a:rPr lang="en-US" altLang="zh-TW" dirty="0" smtClean="0"/>
+                        <a:rPr lang="en-US" altLang="zh-TW" dirty="0"/>
                         <a:t>5000</a:t>
                       </a:r>
                       <a:endParaRPr lang="zh-TW" altLang="en-US" dirty="0"/>
@@ -5502,13 +5304,6 @@
   <p:clrMapOvr>
     <a:masterClrMapping/>
   </p:clrMapOvr>
-  <p:timing>
-    <p:tnLst>
-      <p:par>
-        <p:cTn id="1" dur="indefinite" restart="never" nodeType="tmRoot"/>
-      </p:par>
-    </p:tnLst>
-  </p:timing>
 </p:sld>
 </file>
 
@@ -5565,69 +5360,45 @@
           <a:p>
             <a:pPr lvl="1"/>
             <a:r>
-              <a:rPr lang="en-US" altLang="zh-TW" dirty="0" smtClean="0"/>
-              <a:t>(a) </a:t>
-            </a:r>
-            <a:r>
-              <a:rPr lang="en-US" altLang="zh-TW" dirty="0"/>
-              <a:t>(10pt) suppose </a:t>
-            </a:r>
-            <a:r>
-              <a:rPr lang="en-US" altLang="zh-TW" dirty="0" smtClean="0"/>
-              <a:t>that the association rule “hot dogs =&gt; hamburgers” is mined. Given a minimum support threshold of 25% and a minimum confidence threshold of 50%, is this association rule strong?</a:t>
+              <a:rPr lang="en-US" altLang="zh-TW" dirty="0"/>
+              <a:t>(a) (10pt) suppose that the association rule “hot dogs =&gt; hamburgers” is mined. Given a minimum support threshold of 25% and a minimum confidence threshold of 50%, is this association rule strong?</a:t>
             </a:r>
           </a:p>
           <a:p>
             <a:pPr lvl="1"/>
             <a:r>
-              <a:rPr lang="en-US" altLang="zh-TW" dirty="0" smtClean="0"/>
-              <a:t>(b) </a:t>
-            </a:r>
-            <a:r>
-              <a:rPr lang="en-US" altLang="zh-TW" dirty="0"/>
-              <a:t>(10pt) Based </a:t>
-            </a:r>
-            <a:r>
-              <a:rPr lang="en-US" altLang="zh-TW" dirty="0" smtClean="0"/>
-              <a:t>on the given data, is the purchase of hot dogs independent of the purchase of hamburgers? If not, what kind of correlation relationship exists between the two?</a:t>
+              <a:rPr lang="en-US" altLang="zh-TW" dirty="0"/>
+              <a:t>(b) (10pt) Based on the given data, is the purchase of hot dogs independent of the purchase of hamburgers? If not, what kind of correlation relationship exists between the two?</a:t>
             </a:r>
           </a:p>
           <a:p>
             <a:pPr lvl="1"/>
             <a:r>
-              <a:rPr lang="en-US" altLang="zh-TW" dirty="0" smtClean="0"/>
-              <a:t>(c) (20pt</a:t>
-            </a:r>
-            <a:r>
-              <a:rPr lang="en-US" altLang="zh-TW" dirty="0"/>
-              <a:t>) Compare </a:t>
-            </a:r>
-            <a:r>
-              <a:rPr lang="en-US" altLang="zh-TW" dirty="0" smtClean="0"/>
-              <a:t>the use of the </a:t>
-            </a:r>
-            <a:r>
-              <a:rPr lang="en-US" altLang="zh-TW" dirty="0" err="1" smtClean="0"/>
+              <a:rPr lang="en-US" altLang="zh-TW" dirty="0"/>
+              <a:t>(c) (20pt) Compare the use of the </a:t>
+            </a:r>
+            <a:r>
+              <a:rPr lang="en-US" altLang="zh-TW" dirty="0" err="1"/>
               <a:t>all_confidence</a:t>
             </a:r>
             <a:r>
-              <a:rPr lang="en-US" altLang="zh-TW" dirty="0" smtClean="0"/>
+              <a:rPr lang="en-US" altLang="zh-TW" dirty="0"/>
               <a:t>, </a:t>
             </a:r>
             <a:r>
-              <a:rPr lang="en-US" altLang="zh-TW" dirty="0" err="1" smtClean="0"/>
+              <a:rPr lang="en-US" altLang="zh-TW" dirty="0" err="1"/>
               <a:t>max_confidence</a:t>
             </a:r>
             <a:r>
-              <a:rPr lang="en-US" altLang="zh-TW" dirty="0" smtClean="0"/>
+              <a:rPr lang="en-US" altLang="zh-TW" dirty="0"/>
               <a:t>, </a:t>
             </a:r>
             <a:r>
-              <a:rPr lang="en-US" altLang="zh-TW" dirty="0" err="1" smtClean="0"/>
+              <a:rPr lang="en-US" altLang="zh-TW" dirty="0" err="1"/>
               <a:t>Kulczynski</a:t>
             </a:r>
             <a:r>
-              <a:rPr lang="en-US" altLang="zh-TW" dirty="0" smtClean="0"/>
+              <a:rPr lang="en-US" altLang="zh-TW" dirty="0"/>
               <a:t>, and cosine measures with lift and correlation on the given data.</a:t>
             </a:r>
             <a:endParaRPr lang="zh-TW" altLang="en-US" dirty="0"/>
@@ -5644,13 +5415,6 @@
   <p:clrMapOvr>
     <a:masterClrMapping/>
   </p:clrMapOvr>
-  <p:timing>
-    <p:tnLst>
-      <p:par>
-        <p:cTn id="1" dur="indefinite" restart="never" nodeType="tmRoot"/>
-      </p:par>
-    </p:tnLst>
-  </p:timing>
 </p:sld>
 </file>
 
@@ -5687,7 +5451,7 @@
           <a:lstStyle/>
           <a:p>
             <a:r>
-              <a:rPr lang="en-US" altLang="zh-TW" dirty="0" smtClean="0"/>
+              <a:rPr lang="en-US" altLang="zh-TW" dirty="0"/>
               <a:t>Programming Projects</a:t>
             </a:r>
             <a:endParaRPr lang="zh-TW" altLang="en-US" dirty="0"/>
@@ -5712,7 +5476,7 @@
           <a:lstStyle/>
           <a:p>
             <a:r>
-              <a:rPr lang="en-US" altLang="zh-TW" dirty="0" smtClean="0">
+              <a:rPr lang="en-US" altLang="zh-TW" dirty="0">
                 <a:solidFill>
                   <a:srgbClr val="0000FF"/>
                 </a:solidFill>
@@ -5720,49 +5484,28 @@
               <a:t>*</a:t>
             </a:r>
             <a:r>
-              <a:rPr lang="en-US" altLang="zh-TW" dirty="0" smtClean="0"/>
-              <a:t>6.7</a:t>
-            </a:r>
-            <a:r>
-              <a:rPr lang="en-US" altLang="zh-TW" dirty="0"/>
-              <a:t>: </a:t>
-            </a:r>
-            <a:r>
-              <a:rPr lang="en-US" altLang="zh-TW" dirty="0" smtClean="0"/>
-              <a:t>(</a:t>
-            </a:r>
-            <a:r>
-              <a:rPr lang="en-US" altLang="zh-TW" b="1" dirty="0" smtClean="0"/>
+              <a:rPr lang="en-US" altLang="zh-TW" dirty="0"/>
+              <a:t>4.7: (</a:t>
+            </a:r>
+            <a:r>
+              <a:rPr lang="en-US" altLang="zh-TW" b="1" dirty="0"/>
               <a:t>50pt</a:t>
             </a:r>
             <a:r>
               <a:rPr lang="en-US" altLang="zh-TW" dirty="0"/>
-              <a:t>) Using </a:t>
-            </a:r>
-            <a:r>
-              <a:rPr lang="en-US" altLang="zh-TW" dirty="0" smtClean="0"/>
-              <a:t>a programming language that you are familiar with, such as C++ or Java, implement the following frequent </a:t>
-            </a:r>
-            <a:r>
-              <a:rPr lang="en-US" altLang="zh-TW" dirty="0" err="1" smtClean="0"/>
-              <a:t>itemset</a:t>
-            </a:r>
-            <a:r>
-              <a:rPr lang="en-US" altLang="zh-TW" dirty="0" smtClean="0"/>
-              <a:t> mining algorithms introduced in this chapter: </a:t>
-            </a:r>
-            <a:endParaRPr lang="en-US" altLang="zh-TW" dirty="0"/>
+              <a:t>) Using a programming language that you are familiar with, such as C++ or Java, implement the following frequent itemset mining algorithms introduced in this chapter: </a:t>
+            </a:r>
           </a:p>
           <a:p>
             <a:pPr marL="0" indent="0">
               <a:buNone/>
             </a:pPr>
             <a:r>
-              <a:rPr lang="en-US" altLang="zh-TW" dirty="0" smtClean="0"/>
+              <a:rPr lang="en-US" altLang="zh-TW" dirty="0"/>
               <a:t>(a) (20pt) </a:t>
             </a:r>
             <a:r>
-              <a:rPr lang="en-US" altLang="zh-TW" dirty="0" err="1" smtClean="0">
+              <a:rPr lang="en-US" altLang="zh-TW" dirty="0" err="1">
                 <a:solidFill>
                   <a:srgbClr val="0000FF"/>
                 </a:solidFill>
@@ -5770,7 +5513,7 @@
               <a:t>Apriori</a:t>
             </a:r>
             <a:r>
-              <a:rPr lang="en-US" altLang="zh-TW" dirty="0" smtClean="0"/>
+              <a:rPr lang="en-US" altLang="zh-TW" dirty="0"/>
               <a:t>, </a:t>
             </a:r>
           </a:p>
@@ -5779,11 +5522,11 @@
               <a:buNone/>
             </a:pPr>
             <a:r>
-              <a:rPr lang="en-US" altLang="zh-TW" dirty="0" smtClean="0"/>
+              <a:rPr lang="en-US" altLang="zh-TW" dirty="0"/>
               <a:t>(b) (30pt) </a:t>
             </a:r>
             <a:r>
-              <a:rPr lang="en-US" altLang="zh-TW" dirty="0" smtClean="0">
+              <a:rPr lang="en-US" altLang="zh-TW" dirty="0">
                 <a:solidFill>
                   <a:srgbClr val="0000FF"/>
                 </a:solidFill>
@@ -5791,25 +5534,21 @@
               <a:t>FP-Growth</a:t>
             </a:r>
             <a:r>
-              <a:rPr lang="en-US" altLang="zh-TW" dirty="0" smtClean="0"/>
+              <a:rPr lang="en-US" altLang="zh-TW" dirty="0"/>
               <a:t>. </a:t>
             </a:r>
             <a:br>
-              <a:rPr lang="en-US" altLang="zh-TW" dirty="0" smtClean="0"/>
+              <a:rPr lang="en-US" altLang="zh-TW" dirty="0"/>
             </a:br>
-            <a:r>
-              <a:rPr lang="en-US" altLang="zh-TW" dirty="0" smtClean="0"/>
-              <a:t/>
-            </a:r>
             <a:br>
-              <a:rPr lang="en-US" altLang="zh-TW" dirty="0" smtClean="0"/>
+              <a:rPr lang="en-US" altLang="zh-TW" dirty="0"/>
             </a:br>
             <a:r>
-              <a:rPr lang="en-US" altLang="zh-TW" dirty="0" smtClean="0"/>
+              <a:rPr lang="en-US" altLang="zh-TW" dirty="0"/>
               <a:t>Compare the performance of each algorithm with various kinds of large data sets. </a:t>
             </a:r>
             <a:br>
-              <a:rPr lang="en-US" altLang="zh-TW" dirty="0" smtClean="0"/>
+              <a:rPr lang="en-US" altLang="zh-TW" dirty="0"/>
             </a:br>
             <a:endParaRPr lang="en-US" altLang="zh-TW" dirty="0"/>
           </a:p>
@@ -5825,13 +5564,6 @@
   <p:clrMapOvr>
     <a:masterClrMapping/>
   </p:clrMapOvr>
-  <p:timing>
-    <p:tnLst>
-      <p:par>
-        <p:cTn id="1" dur="indefinite" restart="never" nodeType="tmRoot"/>
-      </p:par>
-    </p:tnLst>
-  </p:timing>
 </p:sld>
 </file>
 
@@ -5889,7 +5621,7 @@
           <a:lstStyle/>
           <a:p>
             <a:r>
-              <a:rPr lang="en-US" altLang="zh-TW" dirty="0" smtClean="0">
+              <a:rPr lang="en-US" altLang="zh-TW" dirty="0">
                 <a:solidFill>
                   <a:srgbClr val="0000FF"/>
                 </a:solidFill>
@@ -5897,36 +5629,36 @@
               <a:t>*</a:t>
             </a:r>
             <a:r>
-              <a:rPr lang="en-US" altLang="zh-TW" dirty="0" smtClean="0"/>
-              <a:t>6.15: (</a:t>
-            </a:r>
-            <a:r>
-              <a:rPr lang="en-US" altLang="zh-TW" b="1" dirty="0" smtClean="0"/>
+              <a:rPr lang="en-US" altLang="zh-TW" dirty="0"/>
+              <a:t>4.15: (</a:t>
+            </a:r>
+            <a:r>
+              <a:rPr lang="en-US" altLang="zh-TW" b="1" dirty="0"/>
               <a:t>50pt</a:t>
             </a:r>
             <a:r>
-              <a:rPr lang="en-US" altLang="zh-TW" dirty="0" smtClean="0"/>
+              <a:rPr lang="en-US" altLang="zh-TW" dirty="0"/>
               <a:t>) The DBLP data set (</a:t>
             </a:r>
             <a:r>
-              <a:rPr lang="en-US" altLang="zh-TW" i="1" dirty="0" smtClean="0">
-                <a:hlinkClick r:id="rId2"/>
+              <a:rPr lang="en-US" altLang="zh-TW" dirty="0">
+                <a:hlinkClick r:id="rId2" tooltip="https://dblp.org/xml/"/>
               </a:rPr>
-              <a:t>www.informatik.uni-trier.de/~ley/db/</a:t>
-            </a:r>
-            <a:r>
-              <a:rPr lang="en-US" altLang="zh-TW" dirty="0" smtClean="0"/>
-              <a:t>) consists of over one million entries of research papers published in computer science conferences and journals. Among these entries, there are a good number of authors that have coauthor relationships.</a:t>
+              <a:t>https://dblp.org/xml/</a:t>
+            </a:r>
+            <a:r>
+              <a:rPr lang="en-US" altLang="zh-TW" dirty="0"/>
+              <a:t> ) consists of over one million entries of research papers published in computer science conferences and journals. Among these entries, there are a good number of authors that have coauthor relationships.</a:t>
             </a:r>
             <a:br>
-              <a:rPr lang="en-US" altLang="zh-TW" dirty="0" smtClean="0"/>
+              <a:rPr lang="en-US" altLang="zh-TW" dirty="0"/>
             </a:br>
             <a:r>
-              <a:rPr lang="en-US" altLang="zh-TW" dirty="0" smtClean="0"/>
+              <a:rPr lang="en-US" altLang="zh-TW" dirty="0"/>
               <a:t>(a) (30pt) Propose a method to efficiently mine a set of </a:t>
             </a:r>
             <a:r>
-              <a:rPr lang="en-US" altLang="zh-TW" dirty="0" smtClean="0">
+              <a:rPr lang="en-US" altLang="zh-TW" dirty="0">
                 <a:solidFill>
                   <a:srgbClr val="0000FF"/>
                 </a:solidFill>
@@ -5934,35 +5666,15 @@
               <a:t>coauthor</a:t>
             </a:r>
             <a:r>
-              <a:rPr lang="en-US" altLang="zh-TW" dirty="0" smtClean="0"/>
+              <a:rPr lang="en-US" altLang="zh-TW" dirty="0"/>
               <a:t> relationships that are closely correlated (e.g. often coauthoring papers together).</a:t>
             </a:r>
             <a:br>
-              <a:rPr lang="en-US" altLang="zh-TW" dirty="0" smtClean="0"/>
+              <a:rPr lang="en-US" altLang="zh-TW" dirty="0"/>
             </a:br>
             <a:r>
-              <a:rPr lang="en-US" altLang="zh-TW" dirty="0" smtClean="0"/>
-              <a:t>(b) (20pt) Based </a:t>
-            </a:r>
-            <a:r>
-              <a:rPr lang="en-US" altLang="zh-TW" dirty="0"/>
-              <a:t>on the mining results and the pattern evaluation measures discussed </a:t>
-            </a:r>
-            <a:r>
-              <a:rPr lang="en-US" altLang="zh-TW" dirty="0" smtClean="0"/>
-              <a:t>in this </a:t>
-            </a:r>
-            <a:r>
-              <a:rPr lang="en-US" altLang="zh-TW" dirty="0"/>
-              <a:t>chapter, discuss which measure may convincingly uncover close </a:t>
-            </a:r>
-            <a:r>
-              <a:rPr lang="en-US" altLang="zh-TW" dirty="0" smtClean="0"/>
-              <a:t>collaboration patterns </a:t>
-            </a:r>
-            <a:r>
-              <a:rPr lang="en-US" altLang="zh-TW" dirty="0"/>
-              <a:t>better than others.</a:t>
+              <a:rPr lang="en-US" altLang="zh-TW" dirty="0"/>
+              <a:t>(b) (20pt) Based on the mining results and the pattern evaluation measures discussed in this chapter, discuss which measure may convincingly uncover close collaboration patterns better than others.</a:t>
             </a:r>
             <a:endParaRPr lang="zh-TW" altLang="en-US" dirty="0"/>
           </a:p>
@@ -5978,13 +5690,6 @@
   <p:clrMapOvr>
     <a:masterClrMapping/>
   </p:clrMapOvr>
-  <p:timing>
-    <p:tnLst>
-      <p:par>
-        <p:cTn id="1" dur="indefinite" restart="never" nodeType="tmRoot"/>
-      </p:par>
-    </p:tnLst>
-  </p:timing>
 </p:sld>
 </file>
 

--- a/EDM/HW2.pptx
+++ b/EDM/HW2.pptx
@@ -253,7 +253,7 @@
           <a:p>
             <a:fld id="{9553D06D-798D-41B2-8E09-945CDEC492DF}" type="datetimeFigureOut">
               <a:rPr lang="zh-TW" altLang="en-US" smtClean="0"/>
-              <a:t>2024/10/22</a:t>
+              <a:t>2025/10/13</a:t>
             </a:fld>
             <a:endParaRPr lang="zh-TW" altLang="en-US"/>
           </a:p>
@@ -421,7 +421,7 @@
           <a:p>
             <a:fld id="{9553D06D-798D-41B2-8E09-945CDEC492DF}" type="datetimeFigureOut">
               <a:rPr lang="zh-TW" altLang="en-US" smtClean="0"/>
-              <a:t>2024/10/22</a:t>
+              <a:t>2025/10/13</a:t>
             </a:fld>
             <a:endParaRPr lang="zh-TW" altLang="en-US"/>
           </a:p>
@@ -599,7 +599,7 @@
           <a:p>
             <a:fld id="{9553D06D-798D-41B2-8E09-945CDEC492DF}" type="datetimeFigureOut">
               <a:rPr lang="zh-TW" altLang="en-US" smtClean="0"/>
-              <a:t>2024/10/22</a:t>
+              <a:t>2025/10/13</a:t>
             </a:fld>
             <a:endParaRPr lang="zh-TW" altLang="en-US"/>
           </a:p>
@@ -767,7 +767,7 @@
           <a:p>
             <a:fld id="{9553D06D-798D-41B2-8E09-945CDEC492DF}" type="datetimeFigureOut">
               <a:rPr lang="zh-TW" altLang="en-US" smtClean="0"/>
-              <a:t>2024/10/22</a:t>
+              <a:t>2025/10/13</a:t>
             </a:fld>
             <a:endParaRPr lang="zh-TW" altLang="en-US"/>
           </a:p>
@@ -1012,7 +1012,7 @@
           <a:p>
             <a:fld id="{9553D06D-798D-41B2-8E09-945CDEC492DF}" type="datetimeFigureOut">
               <a:rPr lang="zh-TW" altLang="en-US" smtClean="0"/>
-              <a:t>2024/10/22</a:t>
+              <a:t>2025/10/13</a:t>
             </a:fld>
             <a:endParaRPr lang="zh-TW" altLang="en-US"/>
           </a:p>
@@ -1241,7 +1241,7 @@
           <a:p>
             <a:fld id="{9553D06D-798D-41B2-8E09-945CDEC492DF}" type="datetimeFigureOut">
               <a:rPr lang="zh-TW" altLang="en-US" smtClean="0"/>
-              <a:t>2024/10/22</a:t>
+              <a:t>2025/10/13</a:t>
             </a:fld>
             <a:endParaRPr lang="zh-TW" altLang="en-US"/>
           </a:p>
@@ -1605,7 +1605,7 @@
           <a:p>
             <a:fld id="{9553D06D-798D-41B2-8E09-945CDEC492DF}" type="datetimeFigureOut">
               <a:rPr lang="zh-TW" altLang="en-US" smtClean="0"/>
-              <a:t>2024/10/22</a:t>
+              <a:t>2025/10/13</a:t>
             </a:fld>
             <a:endParaRPr lang="zh-TW" altLang="en-US"/>
           </a:p>
@@ -1722,7 +1722,7 @@
           <a:p>
             <a:fld id="{9553D06D-798D-41B2-8E09-945CDEC492DF}" type="datetimeFigureOut">
               <a:rPr lang="zh-TW" altLang="en-US" smtClean="0"/>
-              <a:t>2024/10/22</a:t>
+              <a:t>2025/10/13</a:t>
             </a:fld>
             <a:endParaRPr lang="zh-TW" altLang="en-US"/>
           </a:p>
@@ -1817,7 +1817,7 @@
           <a:p>
             <a:fld id="{9553D06D-798D-41B2-8E09-945CDEC492DF}" type="datetimeFigureOut">
               <a:rPr lang="zh-TW" altLang="en-US" smtClean="0"/>
-              <a:t>2024/10/22</a:t>
+              <a:t>2025/10/13</a:t>
             </a:fld>
             <a:endParaRPr lang="zh-TW" altLang="en-US"/>
           </a:p>
@@ -2092,7 +2092,7 @@
           <a:p>
             <a:fld id="{9553D06D-798D-41B2-8E09-945CDEC492DF}" type="datetimeFigureOut">
               <a:rPr lang="zh-TW" altLang="en-US" smtClean="0"/>
-              <a:t>2024/10/22</a:t>
+              <a:t>2025/10/13</a:t>
             </a:fld>
             <a:endParaRPr lang="zh-TW" altLang="en-US"/>
           </a:p>
@@ -2344,7 +2344,7 @@
           <a:p>
             <a:fld id="{9553D06D-798D-41B2-8E09-945CDEC492DF}" type="datetimeFigureOut">
               <a:rPr lang="zh-TW" altLang="en-US" smtClean="0"/>
-              <a:t>2024/10/22</a:t>
+              <a:t>2025/10/13</a:t>
             </a:fld>
             <a:endParaRPr lang="zh-TW" altLang="en-US"/>
           </a:p>
@@ -2555,7 +2555,7 @@
           <a:p>
             <a:fld id="{9553D06D-798D-41B2-8E09-945CDEC492DF}" type="datetimeFigureOut">
               <a:rPr lang="zh-TW" altLang="en-US" smtClean="0"/>
-              <a:t>2024/10/22</a:t>
+              <a:t>2025/10/13</a:t>
             </a:fld>
             <a:endParaRPr lang="zh-TW" altLang="en-US"/>
           </a:p>
@@ -3014,7 +3014,7 @@
           <a:p>
             <a:r>
               <a:rPr lang="en-US" altLang="zh-TW" dirty="0"/>
-              <a:t>Oct. 15, 2024</a:t>
+              <a:t>Oct. 14, 2025</a:t>
             </a:r>
             <a:endParaRPr lang="zh-TW" altLang="en-US" dirty="0"/>
           </a:p>
@@ -3106,6 +3106,7 @@
             </a:r>
           </a:p>
           <a:p>
+            <a:pPr lvl="1"/>
             <a:r>
               <a:rPr lang="en-US" altLang="zh-TW" dirty="0"/>
               <a:t>⁠</a:t>
@@ -3137,6 +3138,7 @@
             </a:r>
           </a:p>
           <a:p>
+            <a:pPr lvl="1"/>
             <a:r>
               <a:rPr lang="en-US" altLang="zh-TW" dirty="0"/>
               <a:t>⁠</a:t>
@@ -3153,10 +3155,7 @@
             </a:r>
           </a:p>
           <a:p>
-            <a:r>
-              <a:rPr lang="en-US" altLang="zh-TW" dirty="0"/>
-              <a:t> </a:t>
-            </a:r>
+            <a:endParaRPr lang="en-US" altLang="zh-TW" dirty="0"/>
           </a:p>
           <a:p>
             <a:endParaRPr lang="zh-TW" altLang="en-US" dirty="0"/>
@@ -3709,7 +3708,7 @@
                   <a:srgbClr val="FF0000"/>
                 </a:solidFill>
               </a:rPr>
-              <a:t>Oct. 30, 2024</a:t>
+              <a:t>Oct. 28, 2025</a:t>
             </a:r>
             <a:r>
               <a:rPr lang="en-US" altLang="zh-TW" dirty="0"/>
